--- a/Midterm Review Presentation/Midterm Design Review Presentation Template.pptx
+++ b/Midterm Review Presentation/Midterm Design Review Presentation Template.pptx
@@ -5,7 +5,7 @@
     <p:sldMasterId id="2147483648" r:id="rId1"/>
   </p:sldMasterIdLst>
   <p:notesMasterIdLst>
-    <p:notesMasterId r:id="rId15"/>
+    <p:notesMasterId r:id="rId20"/>
   </p:notesMasterIdLst>
   <p:sldIdLst>
     <p:sldId id="264" r:id="rId2"/>
@@ -13,14 +13,19 @@
     <p:sldId id="266" r:id="rId4"/>
     <p:sldId id="277" r:id="rId5"/>
     <p:sldId id="268" r:id="rId6"/>
-    <p:sldId id="267" r:id="rId7"/>
-    <p:sldId id="269" r:id="rId8"/>
-    <p:sldId id="270" r:id="rId9"/>
-    <p:sldId id="271" r:id="rId10"/>
-    <p:sldId id="272" r:id="rId11"/>
-    <p:sldId id="276" r:id="rId12"/>
-    <p:sldId id="273" r:id="rId13"/>
-    <p:sldId id="275" r:id="rId14"/>
+    <p:sldId id="279" r:id="rId7"/>
+    <p:sldId id="280" r:id="rId8"/>
+    <p:sldId id="281" r:id="rId9"/>
+    <p:sldId id="282" r:id="rId10"/>
+    <p:sldId id="267" r:id="rId11"/>
+    <p:sldId id="269" r:id="rId12"/>
+    <p:sldId id="278" r:id="rId13"/>
+    <p:sldId id="270" r:id="rId14"/>
+    <p:sldId id="271" r:id="rId15"/>
+    <p:sldId id="272" r:id="rId16"/>
+    <p:sldId id="276" r:id="rId17"/>
+    <p:sldId id="273" r:id="rId18"/>
+    <p:sldId id="275" r:id="rId19"/>
   </p:sldIdLst>
   <p:sldSz cx="9144000" cy="6858000" type="screen4x3"/>
   <p:notesSz cx="6858000" cy="9144000"/>
@@ -138,6 +143,386 @@
 </p:presentation>
 </file>
 
+<file path=ppt/revisionInfo.xml><?xml version="1.0" encoding="utf-8"?>
+<p1510:revInfo xmlns:a="http://schemas.openxmlformats.org/drawingml/2006/main" xmlns:r="http://schemas.openxmlformats.org/officeDocument/2006/relationships" xmlns:p1510="http://schemas.microsoft.com/office/powerpoint/2015/10/main">
+  <p1510:revLst>
+    <p1510:client id="{916519D6-545C-49AB-AAA9-6927595BE8CF}" v="528" dt="2022-10-09T23:42:32.138"/>
+    <p1510:client id="{94D506F5-0624-4709-9666-BDACF92965F3}" v="751" dt="2022-10-09T23:43:42.777"/>
+    <p1510:client id="{B15FDED9-187D-4F00-87EC-9B0E61872CC6}" v="619" dt="2022-10-09T23:44:48.771"/>
+  </p1510:revLst>
+</p1510:revInfo>
+</file>
+
+<file path=ppt/changesInfos/changesInfo1.xml><?xml version="1.0" encoding="utf-8"?>
+<pc:chgInfo xmlns:a="http://schemas.openxmlformats.org/drawingml/2006/main" xmlns:r="http://schemas.openxmlformats.org/officeDocument/2006/relationships" xmlns:ac="http://schemas.microsoft.com/office/drawing/2013/main/command" xmlns:pc="http://schemas.microsoft.com/office/powerpoint/2013/main/command">
+  <pc:docChgLst>
+    <pc:chgData name="Avanish Subbiah" userId="3e11c6ea9048470d" providerId="Windows Live" clId="Web-{94D506F5-0624-4709-9666-BDACF92965F3}"/>
+    <pc:docChg chg="addSld modSld">
+      <pc:chgData name="Avanish Subbiah" userId="3e11c6ea9048470d" providerId="Windows Live" clId="Web-{94D506F5-0624-4709-9666-BDACF92965F3}" dt="2022-10-09T23:43:42.777" v="738" actId="20577"/>
+      <pc:docMkLst>
+        <pc:docMk/>
+      </pc:docMkLst>
+      <pc:sldChg chg="modSp">
+        <pc:chgData name="Avanish Subbiah" userId="3e11c6ea9048470d" providerId="Windows Live" clId="Web-{94D506F5-0624-4709-9666-BDACF92965F3}" dt="2022-10-09T23:33:09.821" v="231" actId="20577"/>
+        <pc:sldMkLst>
+          <pc:docMk/>
+          <pc:sldMk cId="3910445985" sldId="268"/>
+        </pc:sldMkLst>
+        <pc:spChg chg="mod">
+          <ac:chgData name="Avanish Subbiah" userId="3e11c6ea9048470d" providerId="Windows Live" clId="Web-{94D506F5-0624-4709-9666-BDACF92965F3}" dt="2022-10-09T23:33:09.821" v="231" actId="20577"/>
+          <ac:spMkLst>
+            <pc:docMk/>
+            <pc:sldMk cId="3910445985" sldId="268"/>
+            <ac:spMk id="8" creationId="{00000000-0000-0000-0000-000000000000}"/>
+          </ac:spMkLst>
+        </pc:spChg>
+        <pc:spChg chg="mod">
+          <ac:chgData name="Avanish Subbiah" userId="3e11c6ea9048470d" providerId="Windows Live" clId="Web-{94D506F5-0624-4709-9666-BDACF92965F3}" dt="2022-10-09T23:33:03.430" v="214" actId="20577"/>
+          <ac:spMkLst>
+            <pc:docMk/>
+            <pc:sldMk cId="3910445985" sldId="268"/>
+            <ac:spMk id="13" creationId="{00000000-0000-0000-0000-000000000000}"/>
+          </ac:spMkLst>
+        </pc:spChg>
+      </pc:sldChg>
+      <pc:sldChg chg="addSp modSp add replId">
+        <pc:chgData name="Avanish Subbiah" userId="3e11c6ea9048470d" providerId="Windows Live" clId="Web-{94D506F5-0624-4709-9666-BDACF92965F3}" dt="2022-10-09T23:34:57.386" v="386" actId="20577"/>
+        <pc:sldMkLst>
+          <pc:docMk/>
+          <pc:sldMk cId="1640836643" sldId="279"/>
+        </pc:sldMkLst>
+        <pc:spChg chg="mod">
+          <ac:chgData name="Avanish Subbiah" userId="3e11c6ea9048470d" providerId="Windows Live" clId="Web-{94D506F5-0624-4709-9666-BDACF92965F3}" dt="2022-10-09T23:34:57.386" v="386" actId="20577"/>
+          <ac:spMkLst>
+            <pc:docMk/>
+            <pc:sldMk cId="1640836643" sldId="279"/>
+            <ac:spMk id="13" creationId="{00000000-0000-0000-0000-000000000000}"/>
+          </ac:spMkLst>
+        </pc:spChg>
+        <pc:picChg chg="add mod">
+          <ac:chgData name="Avanish Subbiah" userId="3e11c6ea9048470d" providerId="Windows Live" clId="Web-{94D506F5-0624-4709-9666-BDACF92965F3}" dt="2022-10-09T23:34:37.495" v="377" actId="1076"/>
+          <ac:picMkLst>
+            <pc:docMk/>
+            <pc:sldMk cId="1640836643" sldId="279"/>
+            <ac:picMk id="2" creationId="{AD00BF2E-6860-B80A-83CF-1FCD6CB64F62}"/>
+          </ac:picMkLst>
+        </pc:picChg>
+      </pc:sldChg>
+      <pc:sldChg chg="addSp delSp modSp add replId">
+        <pc:chgData name="Avanish Subbiah" userId="3e11c6ea9048470d" providerId="Windows Live" clId="Web-{94D506F5-0624-4709-9666-BDACF92965F3}" dt="2022-10-09T23:36:15.185" v="438"/>
+        <pc:sldMkLst>
+          <pc:docMk/>
+          <pc:sldMk cId="19002467" sldId="280"/>
+        </pc:sldMkLst>
+        <pc:spChg chg="add del mod">
+          <ac:chgData name="Avanish Subbiah" userId="3e11c6ea9048470d" providerId="Windows Live" clId="Web-{94D506F5-0624-4709-9666-BDACF92965F3}" dt="2022-10-09T23:36:15.185" v="438"/>
+          <ac:spMkLst>
+            <pc:docMk/>
+            <pc:sldMk cId="19002467" sldId="280"/>
+            <ac:spMk id="3" creationId="{4758EEEC-AD73-FDA2-26D5-20AA0D3C5DC7}"/>
+          </ac:spMkLst>
+        </pc:spChg>
+        <pc:spChg chg="mod">
+          <ac:chgData name="Avanish Subbiah" userId="3e11c6ea9048470d" providerId="Windows Live" clId="Web-{94D506F5-0624-4709-9666-BDACF92965F3}" dt="2022-10-09T23:35:48.075" v="434" actId="20577"/>
+          <ac:spMkLst>
+            <pc:docMk/>
+            <pc:sldMk cId="19002467" sldId="280"/>
+            <ac:spMk id="13" creationId="{00000000-0000-0000-0000-000000000000}"/>
+          </ac:spMkLst>
+        </pc:spChg>
+        <pc:picChg chg="del">
+          <ac:chgData name="Avanish Subbiah" userId="3e11c6ea9048470d" providerId="Windows Live" clId="Web-{94D506F5-0624-4709-9666-BDACF92965F3}" dt="2022-10-09T23:35:33.184" v="427"/>
+          <ac:picMkLst>
+            <pc:docMk/>
+            <pc:sldMk cId="19002467" sldId="280"/>
+            <ac:picMk id="2" creationId="{AD00BF2E-6860-B80A-83CF-1FCD6CB64F62}"/>
+          </ac:picMkLst>
+        </pc:picChg>
+      </pc:sldChg>
+      <pc:sldChg chg="addSp delSp modSp add replId">
+        <pc:chgData name="Avanish Subbiah" userId="3e11c6ea9048470d" providerId="Windows Live" clId="Web-{94D506F5-0624-4709-9666-BDACF92965F3}" dt="2022-10-09T23:43:09.338" v="724" actId="14100"/>
+        <pc:sldMkLst>
+          <pc:docMk/>
+          <pc:sldMk cId="2937357735" sldId="281"/>
+        </pc:sldMkLst>
+        <pc:spChg chg="mod">
+          <ac:chgData name="Avanish Subbiah" userId="3e11c6ea9048470d" providerId="Windows Live" clId="Web-{94D506F5-0624-4709-9666-BDACF92965F3}" dt="2022-10-09T23:36:23.294" v="467" actId="20577"/>
+          <ac:spMkLst>
+            <pc:docMk/>
+            <pc:sldMk cId="2937357735" sldId="281"/>
+            <ac:spMk id="8" creationId="{00000000-0000-0000-0000-000000000000}"/>
+          </ac:spMkLst>
+        </pc:spChg>
+        <pc:spChg chg="mod">
+          <ac:chgData name="Avanish Subbiah" userId="3e11c6ea9048470d" providerId="Windows Live" clId="Web-{94D506F5-0624-4709-9666-BDACF92965F3}" dt="2022-10-09T23:43:09.338" v="724" actId="14100"/>
+          <ac:spMkLst>
+            <pc:docMk/>
+            <pc:sldMk cId="2937357735" sldId="281"/>
+            <ac:spMk id="13" creationId="{00000000-0000-0000-0000-000000000000}"/>
+          </ac:spMkLst>
+        </pc:spChg>
+        <pc:picChg chg="del">
+          <ac:chgData name="Avanish Subbiah" userId="3e11c6ea9048470d" providerId="Windows Live" clId="Web-{94D506F5-0624-4709-9666-BDACF92965F3}" dt="2022-10-09T23:42:40.384" v="721"/>
+          <ac:picMkLst>
+            <pc:docMk/>
+            <pc:sldMk cId="2937357735" sldId="281"/>
+            <ac:picMk id="2" creationId="{AD00BF2E-6860-B80A-83CF-1FCD6CB64F62}"/>
+          </ac:picMkLst>
+        </pc:picChg>
+        <pc:picChg chg="add mod">
+          <ac:chgData name="Avanish Subbiah" userId="3e11c6ea9048470d" providerId="Windows Live" clId="Web-{94D506F5-0624-4709-9666-BDACF92965F3}" dt="2022-10-09T23:43:05.635" v="723" actId="1076"/>
+          <ac:picMkLst>
+            <pc:docMk/>
+            <pc:sldMk cId="2937357735" sldId="281"/>
+            <ac:picMk id="3" creationId="{583F1A54-0C69-261B-523E-F4F35A525CFD}"/>
+          </ac:picMkLst>
+        </pc:picChg>
+      </pc:sldChg>
+      <pc:sldChg chg="modSp add replId">
+        <pc:chgData name="Avanish Subbiah" userId="3e11c6ea9048470d" providerId="Windows Live" clId="Web-{94D506F5-0624-4709-9666-BDACF92965F3}" dt="2022-10-09T23:43:42.777" v="738" actId="20577"/>
+        <pc:sldMkLst>
+          <pc:docMk/>
+          <pc:sldMk cId="3009604845" sldId="282"/>
+        </pc:sldMkLst>
+        <pc:spChg chg="mod">
+          <ac:chgData name="Avanish Subbiah" userId="3e11c6ea9048470d" providerId="Windows Live" clId="Web-{94D506F5-0624-4709-9666-BDACF92965F3}" dt="2022-10-09T23:43:42.777" v="738" actId="20577"/>
+          <ac:spMkLst>
+            <pc:docMk/>
+            <pc:sldMk cId="3009604845" sldId="282"/>
+            <ac:spMk id="13" creationId="{00000000-0000-0000-0000-000000000000}"/>
+          </ac:spMkLst>
+        </pc:spChg>
+      </pc:sldChg>
+    </pc:docChg>
+  </pc:docChgLst>
+  <pc:docChgLst>
+    <pc:chgData name="Guest User" providerId="Windows Live" clId="Web-{916519D6-545C-49AB-AAA9-6927595BE8CF}"/>
+    <pc:docChg chg="modSld">
+      <pc:chgData name="Guest User" userId="" providerId="Windows Live" clId="Web-{916519D6-545C-49AB-AAA9-6927595BE8CF}" dt="2022-10-09T23:42:31.372" v="521" actId="20577"/>
+      <pc:docMkLst>
+        <pc:docMk/>
+      </pc:docMkLst>
+      <pc:sldChg chg="addSp delSp modSp">
+        <pc:chgData name="Guest User" userId="" providerId="Windows Live" clId="Web-{916519D6-545C-49AB-AAA9-6927595BE8CF}" dt="2022-10-09T23:15:51.162" v="57"/>
+        <pc:sldMkLst>
+          <pc:docMk/>
+          <pc:sldMk cId="1938527688" sldId="264"/>
+        </pc:sldMkLst>
+        <pc:spChg chg="del">
+          <ac:chgData name="Guest User" userId="" providerId="Windows Live" clId="Web-{916519D6-545C-49AB-AAA9-6927595BE8CF}" dt="2022-10-09T23:14:39.691" v="48"/>
+          <ac:spMkLst>
+            <pc:docMk/>
+            <pc:sldMk cId="1938527688" sldId="264"/>
+            <ac:spMk id="2" creationId="{00000000-0000-0000-0000-000000000000}"/>
+          </ac:spMkLst>
+        </pc:spChg>
+        <pc:spChg chg="mod">
+          <ac:chgData name="Guest User" userId="" providerId="Windows Live" clId="Web-{916519D6-545C-49AB-AAA9-6927595BE8CF}" dt="2022-10-09T23:12:21.483" v="0" actId="20577"/>
+          <ac:spMkLst>
+            <pc:docMk/>
+            <pc:sldMk cId="1938527688" sldId="264"/>
+            <ac:spMk id="5" creationId="{00000000-0000-0000-0000-000000000000}"/>
+          </ac:spMkLst>
+        </pc:spChg>
+        <pc:spChg chg="add del mod">
+          <ac:chgData name="Guest User" userId="" providerId="Windows Live" clId="Web-{916519D6-545C-49AB-AAA9-6927595BE8CF}" dt="2022-10-09T23:14:46.707" v="52"/>
+          <ac:spMkLst>
+            <pc:docMk/>
+            <pc:sldMk cId="1938527688" sldId="264"/>
+            <ac:spMk id="7" creationId="{19E3A6D0-9E48-064E-A43B-4FDFDF9D6D0A}"/>
+          </ac:spMkLst>
+        </pc:spChg>
+        <pc:picChg chg="add del mod ord modCrop">
+          <ac:chgData name="Guest User" userId="" providerId="Windows Live" clId="Web-{916519D6-545C-49AB-AAA9-6927595BE8CF}" dt="2022-10-09T23:14:44.847" v="51"/>
+          <ac:picMkLst>
+            <pc:docMk/>
+            <pc:sldMk cId="1938527688" sldId="264"/>
+            <ac:picMk id="3" creationId="{699AB9F0-E976-6D00-A1EE-9F4BAAF7FC5C}"/>
+          </ac:picMkLst>
+        </pc:picChg>
+        <pc:picChg chg="add mod ord modCrop">
+          <ac:chgData name="Guest User" userId="" providerId="Windows Live" clId="Web-{916519D6-545C-49AB-AAA9-6927595BE8CF}" dt="2022-10-09T23:15:51.162" v="57"/>
+          <ac:picMkLst>
+            <pc:docMk/>
+            <pc:sldMk cId="1938527688" sldId="264"/>
+            <ac:picMk id="8" creationId="{742CA94E-0A04-D82A-870A-16607F92968B}"/>
+          </ac:picMkLst>
+        </pc:picChg>
+      </pc:sldChg>
+      <pc:sldChg chg="addSp delSp modSp">
+        <pc:chgData name="Guest User" userId="" providerId="Windows Live" clId="Web-{916519D6-545C-49AB-AAA9-6927595BE8CF}" dt="2022-10-09T23:38:22.221" v="410" actId="1076"/>
+        <pc:sldMkLst>
+          <pc:docMk/>
+          <pc:sldMk cId="485134419" sldId="266"/>
+        </pc:sldMkLst>
+        <pc:spChg chg="mod">
+          <ac:chgData name="Guest User" userId="" providerId="Windows Live" clId="Web-{916519D6-545C-49AB-AAA9-6927595BE8CF}" dt="2022-10-09T23:12:59.156" v="27" actId="20577"/>
+          <ac:spMkLst>
+            <pc:docMk/>
+            <pc:sldMk cId="485134419" sldId="266"/>
+            <ac:spMk id="8" creationId="{00000000-0000-0000-0000-000000000000}"/>
+          </ac:spMkLst>
+        </pc:spChg>
+        <pc:spChg chg="mod">
+          <ac:chgData name="Guest User" userId="" providerId="Windows Live" clId="Web-{916519D6-545C-49AB-AAA9-6927595BE8CF}" dt="2022-10-09T23:27:10.043" v="366" actId="20577"/>
+          <ac:spMkLst>
+            <pc:docMk/>
+            <pc:sldMk cId="485134419" sldId="266"/>
+            <ac:spMk id="13" creationId="{00000000-0000-0000-0000-000000000000}"/>
+          </ac:spMkLst>
+        </pc:spChg>
+        <pc:picChg chg="add del mod">
+          <ac:chgData name="Guest User" userId="" providerId="Windows Live" clId="Web-{916519D6-545C-49AB-AAA9-6927595BE8CF}" dt="2022-10-09T23:14:38.144" v="47"/>
+          <ac:picMkLst>
+            <pc:docMk/>
+            <pc:sldMk cId="485134419" sldId="266"/>
+            <ac:picMk id="2" creationId="{20C53E3F-9BCB-BC3E-A3A6-3864DA42F26A}"/>
+          </ac:picMkLst>
+        </pc:picChg>
+        <pc:picChg chg="add mod modCrop">
+          <ac:chgData name="Guest User" userId="" providerId="Windows Live" clId="Web-{916519D6-545C-49AB-AAA9-6927595BE8CF}" dt="2022-10-09T23:38:22.221" v="410" actId="1076"/>
+          <ac:picMkLst>
+            <pc:docMk/>
+            <pc:sldMk cId="485134419" sldId="266"/>
+            <ac:picMk id="3" creationId="{78360789-A1B1-CEEC-7CD3-90CC42C48587}"/>
+          </ac:picMkLst>
+        </pc:picChg>
+      </pc:sldChg>
+      <pc:sldChg chg="modSp">
+        <pc:chgData name="Guest User" userId="" providerId="Windows Live" clId="Web-{916519D6-545C-49AB-AAA9-6927595BE8CF}" dt="2022-10-09T23:29:47.517" v="400" actId="20577"/>
+        <pc:sldMkLst>
+          <pc:docMk/>
+          <pc:sldMk cId="200959946" sldId="276"/>
+        </pc:sldMkLst>
+        <pc:spChg chg="mod">
+          <ac:chgData name="Guest User" userId="" providerId="Windows Live" clId="Web-{916519D6-545C-49AB-AAA9-6927595BE8CF}" dt="2022-10-09T23:29:47.517" v="400" actId="20577"/>
+          <ac:spMkLst>
+            <pc:docMk/>
+            <pc:sldMk cId="200959946" sldId="276"/>
+            <ac:spMk id="13" creationId="{00000000-0000-0000-0000-000000000000}"/>
+          </ac:spMkLst>
+        </pc:spChg>
+      </pc:sldChg>
+      <pc:sldChg chg="modSp">
+        <pc:chgData name="Guest User" userId="" providerId="Windows Live" clId="Web-{916519D6-545C-49AB-AAA9-6927595BE8CF}" dt="2022-10-09T23:42:31.372" v="521" actId="20577"/>
+        <pc:sldMkLst>
+          <pc:docMk/>
+          <pc:sldMk cId="2993092379" sldId="278"/>
+        </pc:sldMkLst>
+        <pc:spChg chg="mod">
+          <ac:chgData name="Guest User" userId="" providerId="Windows Live" clId="Web-{916519D6-545C-49AB-AAA9-6927595BE8CF}" dt="2022-10-09T23:42:31.372" v="521" actId="20577"/>
+          <ac:spMkLst>
+            <pc:docMk/>
+            <pc:sldMk cId="2993092379" sldId="278"/>
+            <ac:spMk id="13" creationId="{00000000-0000-0000-0000-000000000000}"/>
+          </ac:spMkLst>
+        </pc:spChg>
+      </pc:sldChg>
+    </pc:docChg>
+  </pc:docChgLst>
+  <pc:docChgLst>
+    <pc:chgData name="Connor Chadwick" userId="d37c1725125dcbfb" providerId="Windows Live" clId="Web-{B15FDED9-187D-4F00-87EC-9B0E61872CC6}"/>
+    <pc:docChg chg="addSld delSld modSld">
+      <pc:chgData name="Connor Chadwick" userId="d37c1725125dcbfb" providerId="Windows Live" clId="Web-{B15FDED9-187D-4F00-87EC-9B0E61872CC6}" dt="2022-10-09T23:44:48.771" v="610" actId="1076"/>
+      <pc:docMkLst>
+        <pc:docMk/>
+      </pc:docMkLst>
+      <pc:sldChg chg="modSp">
+        <pc:chgData name="Connor Chadwick" userId="d37c1725125dcbfb" providerId="Windows Live" clId="Web-{B15FDED9-187D-4F00-87EC-9B0E61872CC6}" dt="2022-10-09T23:22:57.354" v="47" actId="14100"/>
+        <pc:sldMkLst>
+          <pc:docMk/>
+          <pc:sldMk cId="1938527688" sldId="264"/>
+        </pc:sldMkLst>
+        <pc:picChg chg="mod">
+          <ac:chgData name="Connor Chadwick" userId="d37c1725125dcbfb" providerId="Windows Live" clId="Web-{B15FDED9-187D-4F00-87EC-9B0E61872CC6}" dt="2022-10-09T23:22:57.354" v="47" actId="14100"/>
+          <ac:picMkLst>
+            <pc:docMk/>
+            <pc:sldMk cId="1938527688" sldId="264"/>
+            <ac:picMk id="8" creationId="{742CA94E-0A04-D82A-870A-16607F92968B}"/>
+          </ac:picMkLst>
+        </pc:picChg>
+      </pc:sldChg>
+      <pc:sldChg chg="addSp delSp modSp">
+        <pc:chgData name="Connor Chadwick" userId="d37c1725125dcbfb" providerId="Windows Live" clId="Web-{B15FDED9-187D-4F00-87EC-9B0E61872CC6}" dt="2022-10-09T23:44:48.771" v="610" actId="1076"/>
+        <pc:sldMkLst>
+          <pc:docMk/>
+          <pc:sldMk cId="2447183972" sldId="269"/>
+        </pc:sldMkLst>
+        <pc:spChg chg="mod">
+          <ac:chgData name="Connor Chadwick" userId="d37c1725125dcbfb" providerId="Windows Live" clId="Web-{B15FDED9-187D-4F00-87EC-9B0E61872CC6}" dt="2022-10-09T23:44:25.692" v="605" actId="20577"/>
+          <ac:spMkLst>
+            <pc:docMk/>
+            <pc:sldMk cId="2447183972" sldId="269"/>
+            <ac:spMk id="8" creationId="{00000000-0000-0000-0000-000000000000}"/>
+          </ac:spMkLst>
+        </pc:spChg>
+        <pc:spChg chg="mod">
+          <ac:chgData name="Connor Chadwick" userId="d37c1725125dcbfb" providerId="Windows Live" clId="Web-{B15FDED9-187D-4F00-87EC-9B0E61872CC6}" dt="2022-10-09T23:44:48.771" v="610" actId="1076"/>
+          <ac:spMkLst>
+            <pc:docMk/>
+            <pc:sldMk cId="2447183972" sldId="269"/>
+            <ac:spMk id="13" creationId="{00000000-0000-0000-0000-000000000000}"/>
+          </ac:spMkLst>
+        </pc:spChg>
+        <pc:picChg chg="add del mod">
+          <ac:chgData name="Connor Chadwick" userId="d37c1725125dcbfb" providerId="Windows Live" clId="Web-{B15FDED9-187D-4F00-87EC-9B0E61872CC6}" dt="2022-10-09T23:44:37.333" v="609" actId="14100"/>
+          <ac:picMkLst>
+            <pc:docMk/>
+            <pc:sldMk cId="2447183972" sldId="269"/>
+            <ac:picMk id="2" creationId="{A688A363-A773-FA8B-DA15-9018FE6112AD}"/>
+          </ac:picMkLst>
+        </pc:picChg>
+      </pc:sldChg>
+      <pc:sldChg chg="modSp">
+        <pc:chgData name="Connor Chadwick" userId="d37c1725125dcbfb" providerId="Windows Live" clId="Web-{B15FDED9-187D-4F00-87EC-9B0E61872CC6}" dt="2022-10-09T23:26:24.219" v="97" actId="20577"/>
+        <pc:sldMkLst>
+          <pc:docMk/>
+          <pc:sldMk cId="634237194" sldId="277"/>
+        </pc:sldMkLst>
+        <pc:spChg chg="mod">
+          <ac:chgData name="Connor Chadwick" userId="d37c1725125dcbfb" providerId="Windows Live" clId="Web-{B15FDED9-187D-4F00-87EC-9B0E61872CC6}" dt="2022-10-09T23:26:24.219" v="97" actId="20577"/>
+          <ac:spMkLst>
+            <pc:docMk/>
+            <pc:sldMk cId="634237194" sldId="277"/>
+            <ac:spMk id="13" creationId="{00000000-0000-0000-0000-000000000000}"/>
+          </ac:spMkLst>
+        </pc:spChg>
+      </pc:sldChg>
+      <pc:sldChg chg="modSp new del">
+        <pc:chgData name="Connor Chadwick" userId="d37c1725125dcbfb" providerId="Windows Live" clId="Web-{B15FDED9-187D-4F00-87EC-9B0E61872CC6}" dt="2022-10-09T23:28:29.363" v="112"/>
+        <pc:sldMkLst>
+          <pc:docMk/>
+          <pc:sldMk cId="1731637552" sldId="278"/>
+        </pc:sldMkLst>
+        <pc:spChg chg="mod">
+          <ac:chgData name="Connor Chadwick" userId="d37c1725125dcbfb" providerId="Windows Live" clId="Web-{B15FDED9-187D-4F00-87EC-9B0E61872CC6}" dt="2022-10-09T23:28:24.972" v="111" actId="20577"/>
+          <ac:spMkLst>
+            <pc:docMk/>
+            <pc:sldMk cId="1731637552" sldId="278"/>
+            <ac:spMk id="2" creationId="{839F29AF-6F04-E658-AC77-31500F6C4DE3}"/>
+          </ac:spMkLst>
+        </pc:spChg>
+      </pc:sldChg>
+      <pc:sldChg chg="modSp add replId">
+        <pc:chgData name="Connor Chadwick" userId="d37c1725125dcbfb" providerId="Windows Live" clId="Web-{B15FDED9-187D-4F00-87EC-9B0E61872CC6}" dt="2022-10-09T23:42:38.439" v="590" actId="20577"/>
+        <pc:sldMkLst>
+          <pc:docMk/>
+          <pc:sldMk cId="2993092379" sldId="278"/>
+        </pc:sldMkLst>
+        <pc:spChg chg="mod">
+          <ac:chgData name="Connor Chadwick" userId="d37c1725125dcbfb" providerId="Windows Live" clId="Web-{B15FDED9-187D-4F00-87EC-9B0E61872CC6}" dt="2022-10-09T23:42:38.439" v="590" actId="20577"/>
+          <ac:spMkLst>
+            <pc:docMk/>
+            <pc:sldMk cId="2993092379" sldId="278"/>
+            <ac:spMk id="8" creationId="{00000000-0000-0000-0000-000000000000}"/>
+          </ac:spMkLst>
+        </pc:spChg>
+      </pc:sldChg>
+    </pc:docChg>
+  </pc:docChgLst>
+</pc:chgInfo>
+</file>
+
 <file path=ppt/notesMasters/notesMaster1.xml><?xml version="1.0" encoding="utf-8"?>
 <p:notesMaster xmlns:a="http://schemas.openxmlformats.org/drawingml/2006/main" xmlns:r="http://schemas.openxmlformats.org/officeDocument/2006/relationships" xmlns:p="http://schemas.openxmlformats.org/presentationml/2006/main">
   <p:cSld>
@@ -220,7 +605,7 @@
           <a:p>
             <a:fld id="{CF2AE9AF-5B02-A343-87BA-BF97CE0E58AE}" type="datetimeFigureOut">
               <a:rPr lang="en-US" smtClean="0"/>
-              <a:t>10/6/2015</a:t>
+              <a:t>10/9/2022</a:t>
             </a:fld>
             <a:endParaRPr lang="en-US"/>
           </a:p>
@@ -284,38 +669,37 @@
           <a:p>
             <a:pPr lvl="0"/>
             <a:r>
-              <a:rPr lang="en-US" smtClean="0"/>
+              <a:rPr lang="en-US"/>
               <a:t>Click to edit Master text styles</a:t>
             </a:r>
           </a:p>
           <a:p>
             <a:pPr lvl="1"/>
             <a:r>
-              <a:rPr lang="en-US" smtClean="0"/>
+              <a:rPr lang="en-US"/>
               <a:t>Second level</a:t>
             </a:r>
           </a:p>
           <a:p>
             <a:pPr lvl="2"/>
             <a:r>
-              <a:rPr lang="en-US" smtClean="0"/>
+              <a:rPr lang="en-US"/>
               <a:t>Third level</a:t>
             </a:r>
           </a:p>
           <a:p>
             <a:pPr lvl="3"/>
             <a:r>
-              <a:rPr lang="en-US" smtClean="0"/>
+              <a:rPr lang="en-US"/>
               <a:t>Fourth level</a:t>
             </a:r>
           </a:p>
           <a:p>
             <a:pPr lvl="4"/>
             <a:r>
-              <a:rPr lang="en-US" smtClean="0"/>
+              <a:rPr lang="en-US"/>
               <a:t>Fifth level</a:t>
             </a:r>
-            <a:endParaRPr lang="en-US"/>
           </a:p>
         </p:txBody>
       </p:sp>
@@ -532,7 +916,7 @@
           <a:bodyPr/>
           <a:lstStyle/>
           <a:p>
-            <a:endParaRPr lang="en-US" dirty="0"/>
+            <a:endParaRPr lang="en-US"/>
           </a:p>
         </p:txBody>
       </p:sp>
@@ -616,7 +1000,7 @@
           <a:bodyPr/>
           <a:lstStyle/>
           <a:p>
-            <a:endParaRPr lang="en-US" dirty="0"/>
+            <a:endParaRPr lang="en-US"/>
           </a:p>
         </p:txBody>
       </p:sp>
@@ -637,7 +1021,7 @@
           <a:p>
             <a:fld id="{3C696C59-4C62-F748-9189-0658811B1DC6}" type="slidenum">
               <a:rPr lang="en-US" smtClean="0"/>
-              <a:t>11</a:t>
+              <a:t>16</a:t>
             </a:fld>
             <a:endParaRPr lang="en-US"/>
           </a:p>
@@ -904,10 +1288,9 @@
           </a:lstStyle>
           <a:p>
             <a:r>
-              <a:rPr lang="en-US" dirty="0" smtClean="0"/>
+              <a:rPr lang="en-US"/>
               <a:t>Document Title</a:t>
             </a:r>
-            <a:endParaRPr lang="en-US" dirty="0"/>
           </a:p>
         </p:txBody>
       </p:sp>
@@ -943,10 +1326,9 @@
           <a:p>
             <a:pPr lvl="0"/>
             <a:r>
-              <a:rPr lang="en-US" dirty="0" smtClean="0"/>
+              <a:rPr lang="en-US"/>
               <a:t>Click to edit Master text styles</a:t>
             </a:r>
-            <a:endParaRPr lang="en-US" dirty="0"/>
           </a:p>
         </p:txBody>
       </p:sp>
@@ -985,10 +1367,9 @@
           <a:p>
             <a:pPr lvl="0"/>
             <a:r>
-              <a:rPr lang="en-US" dirty="0" smtClean="0"/>
+              <a:rPr lang="en-US"/>
               <a:t>Click to edit Master text styles</a:t>
             </a:r>
-            <a:endParaRPr lang="en-US" dirty="0"/>
           </a:p>
         </p:txBody>
       </p:sp>
@@ -1020,7 +1401,7 @@
           </a:lstStyle>
           <a:p>
             <a:r>
-              <a:rPr lang="en-US" b="1" smtClean="0">
+              <a:rPr lang="en-US" b="1">
                 <a:solidFill>
                   <a:srgbClr val="856024"/>
                 </a:solidFill>
@@ -1029,13 +1410,6 @@
               </a:rPr>
               <a:t>Month day, year</a:t>
             </a:r>
-            <a:endParaRPr lang="en-US" b="1" dirty="0">
-              <a:solidFill>
-                <a:srgbClr val="856024"/>
-              </a:solidFill>
-              <a:latin typeface="Arial"/>
-              <a:cs typeface="Arial"/>
-            </a:endParaRPr>
           </a:p>
         </p:txBody>
       </p:sp>
@@ -1115,14 +1489,14 @@
           <a:p>
             <a:pPr lvl="0"/>
             <a:r>
-              <a:rPr lang="en-US" dirty="0" smtClean="0"/>
+              <a:rPr lang="en-US"/>
               <a:t>Second Line</a:t>
             </a:r>
             <a:br>
-              <a:rPr lang="en-US" dirty="0" smtClean="0"/>
+              <a:rPr lang="en-US"/>
             </a:br>
             <a:r>
-              <a:rPr lang="en-US" dirty="0" smtClean="0"/>
+              <a:rPr lang="en-US"/>
               <a:t>Third Line</a:t>
             </a:r>
           </a:p>
@@ -1470,7 +1844,7 @@
           </a:lstStyle>
           <a:p>
             <a:pPr algn="l"/>
-            <a:endParaRPr lang="en-US" dirty="0">
+            <a:endParaRPr lang="en-US">
               <a:solidFill>
                 <a:schemeClr val="bg1"/>
               </a:solidFill>
@@ -1512,17 +1886,16 @@
           </a:lstStyle>
           <a:p>
             <a:r>
-              <a:rPr lang="en-US" dirty="0" smtClean="0"/>
+              <a:rPr lang="en-US"/>
               <a:t>Section</a:t>
             </a:r>
             <a:br>
-              <a:rPr lang="en-US" dirty="0" smtClean="0"/>
+              <a:rPr lang="en-US"/>
             </a:br>
             <a:r>
-              <a:rPr lang="en-US" dirty="0" smtClean="0"/>
+              <a:rPr lang="en-US"/>
               <a:t>Title</a:t>
             </a:r>
-            <a:endParaRPr lang="en-US" dirty="0"/>
           </a:p>
         </p:txBody>
       </p:sp>
@@ -1584,10 +1957,9 @@
           <a:p>
             <a:pPr lvl="0"/>
             <a:r>
-              <a:rPr lang="en-US" dirty="0" smtClean="0"/>
+              <a:rPr lang="en-US"/>
               <a:t>Second Line</a:t>
             </a:r>
-            <a:endParaRPr lang="en-US" dirty="0"/>
           </a:p>
         </p:txBody>
       </p:sp>
@@ -1690,10 +2062,9 @@
           <a:lstStyle/>
           <a:p>
             <a:r>
-              <a:rPr lang="en-US" smtClean="0"/>
+              <a:rPr lang="en-US"/>
               <a:t>Click to edit Master title style</a:t>
             </a:r>
-            <a:endParaRPr lang="en-US"/>
           </a:p>
         </p:txBody>
       </p:sp>
@@ -1717,7 +2088,7 @@
               <a:pPr/>
               <a:t>‹#›</a:t>
             </a:fld>
-            <a:endParaRPr lang="en-US" dirty="0"/>
+            <a:endParaRPr lang="en-US"/>
           </a:p>
         </p:txBody>
       </p:sp>
@@ -1788,7 +2159,7 @@
           <a:p>
             <a:pPr lvl="0"/>
             <a:r>
-              <a:rPr lang="en-US" dirty="0" smtClean="0"/>
+              <a:rPr lang="en-US"/>
               <a:t>CLICK TO EDIT Subtitle</a:t>
             </a:r>
           </a:p>
@@ -1816,38 +2187,37 @@
           <a:p>
             <a:pPr lvl="0"/>
             <a:r>
-              <a:rPr lang="en-US" dirty="0" smtClean="0"/>
+              <a:rPr lang="en-US"/>
               <a:t>Click to edit Master text styles</a:t>
             </a:r>
           </a:p>
           <a:p>
             <a:pPr lvl="1"/>
             <a:r>
-              <a:rPr lang="en-US" dirty="0" smtClean="0"/>
+              <a:rPr lang="en-US"/>
               <a:t>Second level</a:t>
             </a:r>
           </a:p>
           <a:p>
             <a:pPr lvl="2"/>
             <a:r>
-              <a:rPr lang="en-US" dirty="0" smtClean="0"/>
+              <a:rPr lang="en-US"/>
               <a:t>Third level</a:t>
             </a:r>
           </a:p>
           <a:p>
             <a:pPr lvl="3"/>
             <a:r>
-              <a:rPr lang="en-US" dirty="0" smtClean="0"/>
+              <a:rPr lang="en-US"/>
               <a:t>Fourth level</a:t>
             </a:r>
           </a:p>
           <a:p>
             <a:pPr lvl="4"/>
             <a:r>
-              <a:rPr lang="en-US" dirty="0" smtClean="0"/>
+              <a:rPr lang="en-US"/>
               <a:t>Fifth level</a:t>
             </a:r>
-            <a:endParaRPr lang="en-US" dirty="0"/>
           </a:p>
         </p:txBody>
       </p:sp>
@@ -1935,10 +2305,9 @@
           <a:lstStyle/>
           <a:p>
             <a:r>
-              <a:rPr lang="en-US" smtClean="0"/>
+              <a:rPr lang="en-US"/>
               <a:t>Click to edit Master title style</a:t>
             </a:r>
-            <a:endParaRPr lang="en-US"/>
           </a:p>
         </p:txBody>
       </p:sp>
@@ -1962,7 +2331,7 @@
               <a:pPr/>
               <a:t>‹#›</a:t>
             </a:fld>
-            <a:endParaRPr lang="en-US" dirty="0"/>
+            <a:endParaRPr lang="en-US"/>
           </a:p>
         </p:txBody>
       </p:sp>
@@ -1988,38 +2357,37 @@
           <a:p>
             <a:pPr lvl="0"/>
             <a:r>
-              <a:rPr lang="en-US" dirty="0" smtClean="0"/>
+              <a:rPr lang="en-US"/>
               <a:t>Click to edit Master text styles</a:t>
             </a:r>
           </a:p>
           <a:p>
             <a:pPr lvl="1"/>
             <a:r>
-              <a:rPr lang="en-US" dirty="0" smtClean="0"/>
+              <a:rPr lang="en-US"/>
               <a:t>Second level</a:t>
             </a:r>
           </a:p>
           <a:p>
             <a:pPr lvl="2"/>
             <a:r>
-              <a:rPr lang="en-US" dirty="0" smtClean="0"/>
+              <a:rPr lang="en-US"/>
               <a:t>Third level</a:t>
             </a:r>
           </a:p>
           <a:p>
             <a:pPr lvl="3"/>
             <a:r>
-              <a:rPr lang="en-US" dirty="0" smtClean="0"/>
+              <a:rPr lang="en-US"/>
               <a:t>Fourth level</a:t>
             </a:r>
           </a:p>
           <a:p>
             <a:pPr lvl="4"/>
             <a:r>
-              <a:rPr lang="en-US" dirty="0" smtClean="0"/>
+              <a:rPr lang="en-US"/>
               <a:t>Fifth level</a:t>
             </a:r>
-            <a:endParaRPr lang="en-US" dirty="0"/>
           </a:p>
         </p:txBody>
       </p:sp>
@@ -2069,10 +2437,9 @@
           <a:lstStyle/>
           <a:p>
             <a:r>
-              <a:rPr lang="en-US" smtClean="0"/>
+              <a:rPr lang="en-US"/>
               <a:t>Click to edit Master title style</a:t>
             </a:r>
-            <a:endParaRPr lang="en-US"/>
           </a:p>
         </p:txBody>
       </p:sp>
@@ -2128,38 +2495,37 @@
           <a:p>
             <a:pPr lvl="0"/>
             <a:r>
-              <a:rPr lang="en-US" dirty="0" smtClean="0"/>
+              <a:rPr lang="en-US"/>
               <a:t>Click to edit Master text styles</a:t>
             </a:r>
           </a:p>
           <a:p>
             <a:pPr lvl="1"/>
             <a:r>
-              <a:rPr lang="en-US" dirty="0" smtClean="0"/>
+              <a:rPr lang="en-US"/>
               <a:t>Second level</a:t>
             </a:r>
           </a:p>
           <a:p>
             <a:pPr lvl="2"/>
             <a:r>
-              <a:rPr lang="en-US" dirty="0" smtClean="0"/>
+              <a:rPr lang="en-US"/>
               <a:t>Third level</a:t>
             </a:r>
           </a:p>
           <a:p>
             <a:pPr lvl="3"/>
             <a:r>
-              <a:rPr lang="en-US" dirty="0" smtClean="0"/>
+              <a:rPr lang="en-US"/>
               <a:t>Fourth level</a:t>
             </a:r>
           </a:p>
           <a:p>
             <a:pPr lvl="4"/>
             <a:r>
-              <a:rPr lang="en-US" dirty="0" smtClean="0"/>
+              <a:rPr lang="en-US"/>
               <a:t>Fifth level</a:t>
             </a:r>
-            <a:endParaRPr lang="en-US" dirty="0"/>
           </a:p>
         </p:txBody>
       </p:sp>
@@ -2277,7 +2643,7 @@
           <a:p>
             <a:pPr lvl="0"/>
             <a:r>
-              <a:rPr lang="en-US" dirty="0" smtClean="0"/>
+              <a:rPr lang="en-US"/>
               <a:t>CLICK TO EDIT MASTER TEXT STYLES</a:t>
             </a:r>
           </a:p>
@@ -2367,10 +2733,9 @@
           <a:lstStyle/>
           <a:p>
             <a:r>
-              <a:rPr lang="en-US" smtClean="0"/>
+              <a:rPr lang="en-US"/>
               <a:t>Click to edit Master title style</a:t>
             </a:r>
-            <a:endParaRPr lang="en-US"/>
           </a:p>
         </p:txBody>
       </p:sp>
@@ -2426,38 +2791,37 @@
           <a:p>
             <a:pPr lvl="0"/>
             <a:r>
-              <a:rPr lang="en-US" dirty="0" smtClean="0"/>
+              <a:rPr lang="en-US"/>
               <a:t>Click to edit Master text styles</a:t>
             </a:r>
           </a:p>
           <a:p>
             <a:pPr lvl="1"/>
             <a:r>
-              <a:rPr lang="en-US" dirty="0" smtClean="0"/>
+              <a:rPr lang="en-US"/>
               <a:t>Second level</a:t>
             </a:r>
           </a:p>
           <a:p>
             <a:pPr lvl="2"/>
             <a:r>
-              <a:rPr lang="en-US" dirty="0" smtClean="0"/>
+              <a:rPr lang="en-US"/>
               <a:t>Third level</a:t>
             </a:r>
           </a:p>
           <a:p>
             <a:pPr lvl="3"/>
             <a:r>
-              <a:rPr lang="en-US" dirty="0" smtClean="0"/>
+              <a:rPr lang="en-US"/>
               <a:t>Fourth level</a:t>
             </a:r>
           </a:p>
           <a:p>
             <a:pPr lvl="4"/>
             <a:r>
-              <a:rPr lang="en-US" dirty="0" smtClean="0"/>
+              <a:rPr lang="en-US"/>
               <a:t>Fifth level</a:t>
             </a:r>
-            <a:endParaRPr lang="en-US" dirty="0"/>
           </a:p>
         </p:txBody>
       </p:sp>
@@ -2513,38 +2877,37 @@
           <a:p>
             <a:pPr lvl="0"/>
             <a:r>
-              <a:rPr lang="en-US" dirty="0" smtClean="0"/>
+              <a:rPr lang="en-US"/>
               <a:t>Click to edit Master text styles</a:t>
             </a:r>
           </a:p>
           <a:p>
             <a:pPr lvl="1"/>
             <a:r>
-              <a:rPr lang="en-US" dirty="0" smtClean="0"/>
+              <a:rPr lang="en-US"/>
               <a:t>Second level</a:t>
             </a:r>
           </a:p>
           <a:p>
             <a:pPr lvl="2"/>
             <a:r>
-              <a:rPr lang="en-US" dirty="0" smtClean="0"/>
+              <a:rPr lang="en-US"/>
               <a:t>Third level</a:t>
             </a:r>
           </a:p>
           <a:p>
             <a:pPr lvl="3"/>
             <a:r>
-              <a:rPr lang="en-US" dirty="0" smtClean="0"/>
+              <a:rPr lang="en-US"/>
               <a:t>Fourth level</a:t>
             </a:r>
           </a:p>
           <a:p>
             <a:pPr lvl="4"/>
             <a:r>
-              <a:rPr lang="en-US" dirty="0" smtClean="0"/>
+              <a:rPr lang="en-US"/>
               <a:t>Fifth level</a:t>
             </a:r>
-            <a:endParaRPr lang="en-US" dirty="0"/>
           </a:p>
         </p:txBody>
       </p:sp>
@@ -2638,7 +3001,7 @@
           <a:p>
             <a:pPr lvl="0"/>
             <a:r>
-              <a:rPr lang="en-US" dirty="0" smtClean="0"/>
+              <a:rPr lang="en-US"/>
               <a:t>CLICK TO EDIT MASTER TEXT STYLES</a:t>
             </a:r>
           </a:p>
@@ -2732,10 +3095,9 @@
           </a:lstStyle>
           <a:p>
             <a:r>
-              <a:rPr lang="en-US" dirty="0" smtClean="0"/>
+              <a:rPr lang="en-US"/>
               <a:t>Click to edit Master title style</a:t>
             </a:r>
-            <a:endParaRPr lang="en-US" dirty="0"/>
           </a:p>
         </p:txBody>
       </p:sp>
@@ -2800,7 +3162,7 @@
           <a:p>
             <a:pPr lvl="0"/>
             <a:r>
-              <a:rPr lang="en-US" dirty="0" smtClean="0"/>
+              <a:rPr lang="en-US"/>
               <a:t>Click to edit Master text styles</a:t>
             </a:r>
           </a:p>
@@ -2858,38 +3220,37 @@
           <a:p>
             <a:pPr lvl="0"/>
             <a:r>
-              <a:rPr lang="en-US" dirty="0" smtClean="0"/>
+              <a:rPr lang="en-US"/>
               <a:t>Click to edit Master text styles</a:t>
             </a:r>
           </a:p>
           <a:p>
             <a:pPr lvl="1"/>
             <a:r>
-              <a:rPr lang="en-US" dirty="0" smtClean="0"/>
+              <a:rPr lang="en-US"/>
               <a:t>Second level</a:t>
             </a:r>
           </a:p>
           <a:p>
             <a:pPr lvl="2"/>
             <a:r>
-              <a:rPr lang="en-US" dirty="0" smtClean="0"/>
+              <a:rPr lang="en-US"/>
               <a:t>Third level</a:t>
             </a:r>
           </a:p>
           <a:p>
             <a:pPr lvl="3"/>
             <a:r>
-              <a:rPr lang="en-US" dirty="0" smtClean="0"/>
+              <a:rPr lang="en-US"/>
               <a:t>Fourth level</a:t>
             </a:r>
           </a:p>
           <a:p>
             <a:pPr lvl="4"/>
             <a:r>
-              <a:rPr lang="en-US" dirty="0" smtClean="0"/>
+              <a:rPr lang="en-US"/>
               <a:t>Fifth level</a:t>
             </a:r>
-            <a:endParaRPr lang="en-US" dirty="0"/>
           </a:p>
         </p:txBody>
       </p:sp>
@@ -2954,7 +3315,7 @@
           <a:p>
             <a:pPr lvl="0"/>
             <a:r>
-              <a:rPr lang="en-US" dirty="0" smtClean="0"/>
+              <a:rPr lang="en-US"/>
               <a:t>Click to edit Master text styles</a:t>
             </a:r>
           </a:p>
@@ -3012,38 +3373,37 @@
           <a:p>
             <a:pPr lvl="0"/>
             <a:r>
-              <a:rPr lang="en-US" dirty="0" smtClean="0"/>
+              <a:rPr lang="en-US"/>
               <a:t>Click to edit Master text styles</a:t>
             </a:r>
           </a:p>
           <a:p>
             <a:pPr lvl="1"/>
             <a:r>
-              <a:rPr lang="en-US" dirty="0" smtClean="0"/>
+              <a:rPr lang="en-US"/>
               <a:t>Second level</a:t>
             </a:r>
           </a:p>
           <a:p>
             <a:pPr lvl="2"/>
             <a:r>
-              <a:rPr lang="en-US" dirty="0" smtClean="0"/>
+              <a:rPr lang="en-US"/>
               <a:t>Third level</a:t>
             </a:r>
           </a:p>
           <a:p>
             <a:pPr lvl="3"/>
             <a:r>
-              <a:rPr lang="en-US" dirty="0" smtClean="0"/>
+              <a:rPr lang="en-US"/>
               <a:t>Fourth level</a:t>
             </a:r>
           </a:p>
           <a:p>
             <a:pPr lvl="4"/>
             <a:r>
-              <a:rPr lang="en-US" dirty="0" smtClean="0"/>
+              <a:rPr lang="en-US"/>
               <a:t>Fifth level</a:t>
             </a:r>
-            <a:endParaRPr lang="en-US" dirty="0"/>
           </a:p>
         </p:txBody>
       </p:sp>
@@ -3074,7 +3434,7 @@
               <a:pPr/>
               <a:t>‹#›</a:t>
             </a:fld>
-            <a:endParaRPr lang="en-US" dirty="0"/>
+            <a:endParaRPr lang="en-US"/>
           </a:p>
         </p:txBody>
       </p:sp>
@@ -3145,7 +3505,7 @@
           <a:p>
             <a:pPr lvl="0"/>
             <a:r>
-              <a:rPr lang="en-US" dirty="0" smtClean="0"/>
+              <a:rPr lang="en-US"/>
               <a:t>CLICK TO EDIT MASTER TEXT STYLES</a:t>
             </a:r>
           </a:p>
@@ -3235,10 +3595,9 @@
           <a:lstStyle/>
           <a:p>
             <a:r>
-              <a:rPr lang="en-US" smtClean="0"/>
+              <a:rPr lang="en-US"/>
               <a:t>Click to edit Master title style</a:t>
             </a:r>
-            <a:endParaRPr lang="en-US"/>
           </a:p>
         </p:txBody>
       </p:sp>
@@ -3332,7 +3691,7 @@
           <a:p>
             <a:pPr lvl="0"/>
             <a:r>
-              <a:rPr lang="en-US" dirty="0" smtClean="0"/>
+              <a:rPr lang="en-US"/>
               <a:t>CLICK TO EDIT MASTER TEXT STYLES</a:t>
             </a:r>
           </a:p>
@@ -3634,10 +3993,9 @@
           <a:lstStyle/>
           <a:p>
             <a:r>
-              <a:rPr lang="en-US" dirty="0" smtClean="0"/>
+              <a:rPr lang="en-US"/>
               <a:t>CLICK TO EDIT MASTER TITLE STYLE</a:t>
             </a:r>
-            <a:endParaRPr lang="en-US" dirty="0"/>
           </a:p>
         </p:txBody>
       </p:sp>
@@ -3668,38 +4026,37 @@
           <a:p>
             <a:pPr lvl="0"/>
             <a:r>
-              <a:rPr lang="en-US" dirty="0" smtClean="0"/>
+              <a:rPr lang="en-US"/>
               <a:t>Click to edit Master text styles</a:t>
             </a:r>
           </a:p>
           <a:p>
             <a:pPr lvl="1"/>
             <a:r>
-              <a:rPr lang="en-US" dirty="0" smtClean="0"/>
+              <a:rPr lang="en-US"/>
               <a:t>Second level</a:t>
             </a:r>
           </a:p>
           <a:p>
             <a:pPr lvl="2"/>
             <a:r>
-              <a:rPr lang="en-US" dirty="0" smtClean="0"/>
+              <a:rPr lang="en-US"/>
               <a:t>Third level</a:t>
             </a:r>
           </a:p>
           <a:p>
             <a:pPr lvl="3"/>
             <a:r>
-              <a:rPr lang="en-US" dirty="0" smtClean="0"/>
+              <a:rPr lang="en-US"/>
               <a:t>Fourth level</a:t>
             </a:r>
           </a:p>
           <a:p>
             <a:pPr lvl="4"/>
             <a:r>
-              <a:rPr lang="en-US" dirty="0" smtClean="0"/>
+              <a:rPr lang="en-US"/>
               <a:t>Fifth level</a:t>
             </a:r>
-            <a:endParaRPr lang="en-US" dirty="0"/>
           </a:p>
         </p:txBody>
       </p:sp>
@@ -3743,7 +4100,7 @@
               <a:pPr/>
               <a:t>‹#›</a:t>
             </a:fld>
-            <a:endParaRPr lang="en-US" dirty="0"/>
+            <a:endParaRPr lang="en-US"/>
           </a:p>
         </p:txBody>
       </p:sp>
@@ -3769,7 +4126,7 @@
           </a:bodyPr>
           <a:lstStyle/>
           <a:p>
-            <a:endParaRPr lang="en-US" dirty="0"/>
+            <a:endParaRPr lang="en-US"/>
           </a:p>
         </p:txBody>
       </p:sp>
@@ -4083,13 +4440,13 @@
           <a:lstStyle/>
           <a:p>
             <a:r>
-              <a:rPr lang="en-US" sz="4800" dirty="0" smtClean="0"/>
-              <a:t>ECE477 Midterm Design Review: Team #</a:t>
+              <a:rPr lang="en-US" sz="4800"/>
+              <a:t>ECE477 Midterm Design Review: Team 3</a:t>
             </a:r>
             <a:br>
-              <a:rPr lang="en-US" sz="4800" dirty="0" smtClean="0"/>
+              <a:rPr lang="en-US" sz="4800"/>
             </a:br>
-            <a:endParaRPr lang="en-US" sz="4800" dirty="0"/>
+            <a:endParaRPr lang="en-US" sz="4800"/>
           </a:p>
         </p:txBody>
       </p:sp>
@@ -4124,23 +4481,6 @@
       </p:pic>
       <p:sp>
         <p:nvSpPr>
-          <p:cNvPr id="2" name="Picture Placeholder 1"/>
-          <p:cNvSpPr>
-            <a:spLocks noGrp="1"/>
-          </p:cNvSpPr>
-          <p:nvPr>
-            <p:ph type="pic" sz="quarter" idx="17"/>
-          </p:nvPr>
-        </p:nvSpPr>
-        <p:spPr>
-          <a:xfrm>
-            <a:off x="0" y="-4"/>
-            <a:ext cx="9144000" cy="4391025"/>
-          </a:xfrm>
-        </p:spPr>
-      </p:sp>
-      <p:sp>
-        <p:nvSpPr>
           <p:cNvPr id="4" name="TextBox 3"/>
           <p:cNvSpPr txBox="1"/>
           <p:nvPr/>
@@ -4162,21 +4502,40 @@
           <a:lstStyle/>
           <a:p>
             <a:r>
-              <a:rPr lang="en-US" dirty="0" smtClean="0"/>
-              <a:t>&lt;Add team picture or relevant project picture</a:t>
-            </a:r>
-            <a:r>
-              <a:rPr lang="en-US" dirty="0"/>
-              <a:t> </a:t>
-            </a:r>
-            <a:r>
-              <a:rPr lang="en-US" dirty="0" smtClean="0"/>
-              <a:t>here&gt;</a:t>
-            </a:r>
-            <a:endParaRPr lang="en-US" dirty="0"/>
-          </a:p>
-        </p:txBody>
-      </p:sp>
+              <a:rPr lang="en-US"/>
+              <a:t>&lt;Add team picture or relevant project picture here&gt;</a:t>
+            </a:r>
+          </a:p>
+        </p:txBody>
+      </p:sp>
+      <p:pic>
+        <p:nvPicPr>
+          <p:cNvPr id="8" name="Picture 9" descr="A group of people posing for a photo&#10;&#10;Description automatically generated">
+            <a:extLst>
+              <a:ext uri="{FF2B5EF4-FFF2-40B4-BE49-F238E27FC236}">
+                <a16:creationId xmlns:a16="http://schemas.microsoft.com/office/drawing/2014/main" id="{742CA94E-0A04-D82A-870A-16607F92968B}"/>
+              </a:ext>
+            </a:extLst>
+          </p:cNvPr>
+          <p:cNvPicPr>
+            <a:picLocks noGrp="1" noChangeAspect="1"/>
+          </p:cNvPicPr>
+          <p:nvPr>
+            <p:ph type="pic" sz="quarter" idx="17"/>
+          </p:nvPr>
+        </p:nvPicPr>
+        <p:blipFill rotWithShape="1">
+          <a:blip r:embed="rId4"/>
+          <a:srcRect l="503" t="671" r="-503" b="35235"/>
+          <a:stretch/>
+        </p:blipFill>
+        <p:spPr>
+          <a:xfrm>
+            <a:off x="-15342" y="0"/>
+            <a:ext cx="9143927" cy="4395551"/>
+          </a:xfrm>
+        </p:spPr>
+      </p:pic>
     </p:spTree>
     <p:extLst>
       <p:ext uri="{BB962C8B-B14F-4D97-AF65-F5344CB8AC3E}">
@@ -4187,13 +4546,6 @@
   <p:clrMapOvr>
     <a:masterClrMapping/>
   </p:clrMapOvr>
-  <p:timing>
-    <p:tnLst>
-      <p:par>
-        <p:cTn id="1" dur="indefinite" restart="never" nodeType="tmRoot"/>
-      </p:par>
-    </p:tnLst>
-  </p:timing>
 </p:sld>
 </file>
 
@@ -4216,6 +4568,28 @@
       </p:grpSpPr>
       <p:sp>
         <p:nvSpPr>
+          <p:cNvPr id="11" name="Title 10"/>
+          <p:cNvSpPr>
+            <a:spLocks noGrp="1"/>
+          </p:cNvSpPr>
+          <p:nvPr>
+            <p:ph type="title"/>
+          </p:nvPr>
+        </p:nvSpPr>
+        <p:spPr/>
+        <p:txBody>
+          <a:bodyPr/>
+          <a:lstStyle/>
+          <a:p>
+            <a:r>
+              <a:rPr lang="en-US"/>
+              <a:t>Block Diagram</a:t>
+            </a:r>
+          </a:p>
+        </p:txBody>
+      </p:sp>
+      <p:sp>
+        <p:nvSpPr>
           <p:cNvPr id="13" name="Text Placeholder 12"/>
           <p:cNvSpPr>
             <a:spLocks noGrp="1"/>
@@ -4227,7 +4601,7 @@
         <p:spPr>
           <a:xfrm>
             <a:off x="457200" y="1276709"/>
-            <a:ext cx="8229600" cy="5306971"/>
+            <a:ext cx="8235950" cy="5306971"/>
           </a:xfrm>
         </p:spPr>
         <p:txBody>
@@ -4241,101 +4615,64 @@
               <a:buChar char="•"/>
             </a:pPr>
             <a:r>
-              <a:rPr lang="en-US" sz="2200" i="1" dirty="0" smtClean="0">
+              <a:rPr lang="en-US" sz="2200" i="1">
                 <a:solidFill>
                   <a:srgbClr val="FF0000"/>
                 </a:solidFill>
                 <a:latin typeface="Arial" panose="020B0604020202020204" pitchFamily="34" charset="0"/>
                 <a:cs typeface="Arial" panose="020B0604020202020204" pitchFamily="34" charset="0"/>
               </a:rPr>
-              <a:t>Describe your team’s prototyping progress here. For each of your project’s major components, what has been tested? What is known to work? What still needs to be tested, and what still needs to be proven to work?</a:t>
-            </a:r>
-            <a:endParaRPr lang="en-US" sz="2200" i="1" u="sng" dirty="0" smtClean="0">
-              <a:solidFill>
-                <a:srgbClr val="FF0000"/>
-              </a:solidFill>
-              <a:latin typeface="Arial" panose="020B0604020202020204" pitchFamily="34" charset="0"/>
-              <a:cs typeface="Arial" panose="020B0604020202020204" pitchFamily="34" charset="0"/>
-            </a:endParaRPr>
-          </a:p>
-        </p:txBody>
-      </p:sp>
-      <p:sp>
-        <p:nvSpPr>
-          <p:cNvPr id="11" name="Title 10"/>
-          <p:cNvSpPr>
-            <a:spLocks noGrp="1"/>
-          </p:cNvSpPr>
-          <p:nvPr>
-            <p:ph type="title"/>
-          </p:nvPr>
-        </p:nvSpPr>
-        <p:spPr/>
+              <a:t>Include one or more images of your system block diagram here. Block diagrams should include all relevant major parts and systems, bus widths, and interface types.</a:t>
+            </a:r>
+          </a:p>
+        </p:txBody>
+      </p:sp>
+      <p:sp>
+        <p:nvSpPr>
+          <p:cNvPr id="8" name="Text Placeholder 2"/>
+          <p:cNvSpPr>
+            <a:spLocks noGrp="1"/>
+          </p:cNvSpPr>
+          <p:nvPr>
+            <p:ph type="body" idx="11"/>
+          </p:nvPr>
+        </p:nvSpPr>
+        <p:spPr>
+          <a:xfrm>
+            <a:off x="457200" y="924643"/>
+            <a:ext cx="8229600" cy="442912"/>
+          </a:xfrm>
+        </p:spPr>
         <p:txBody>
           <a:bodyPr/>
           <a:lstStyle/>
           <a:p>
-            <a:r>
-              <a:rPr lang="en-US" dirty="0" smtClean="0"/>
-              <a:t>Prototyping Progress</a:t>
-            </a:r>
-            <a:endParaRPr lang="en-US" dirty="0"/>
-          </a:p>
-        </p:txBody>
-      </p:sp>
-      <p:sp>
-        <p:nvSpPr>
-          <p:cNvPr id="8" name="Text Placeholder 2"/>
-          <p:cNvSpPr>
-            <a:spLocks noGrp="1"/>
-          </p:cNvSpPr>
-          <p:nvPr>
-            <p:ph type="body" idx="11"/>
-          </p:nvPr>
-        </p:nvSpPr>
-        <p:spPr>
-          <a:xfrm>
-            <a:off x="457200" y="924643"/>
-            <a:ext cx="8229600" cy="442912"/>
-          </a:xfrm>
-        </p:spPr>
-        <p:txBody>
-          <a:bodyPr/>
-          <a:lstStyle/>
-          <a:p>
-            <a:endParaRPr lang="en-US" sz="2400" dirty="0"/>
+            <a:endParaRPr lang="en-US" sz="2400"/>
           </a:p>
         </p:txBody>
       </p:sp>
     </p:spTree>
     <p:extLst>
       <p:ext uri="{BB962C8B-B14F-4D97-AF65-F5344CB8AC3E}">
-        <p14:creationId xmlns:p14="http://schemas.microsoft.com/office/powerpoint/2010/main" val="1704002901"/>
+        <p14:creationId xmlns:p14="http://schemas.microsoft.com/office/powerpoint/2010/main" val="1177719589"/>
       </p:ext>
     </p:extLst>
   </p:cSld>
   <p:clrMapOvr>
     <a:masterClrMapping/>
   </p:clrMapOvr>
-  <mc:AlternateContent xmlns:mc="http://schemas.openxmlformats.org/markup-compatibility/2006" xmlns:p14="http://schemas.microsoft.com/office/powerpoint/2010/main">
-    <mc:Choice Requires="p14">
+  <mc:AlternateContent xmlns:mc="http://schemas.openxmlformats.org/markup-compatibility/2006">
+    <mc:Choice xmlns:p14="http://schemas.microsoft.com/office/powerpoint/2010/main" Requires="p14">
       <p:transition p14:dur="300">
         <p:fade/>
       </p:transition>
     </mc:Choice>
-    <mc:Fallback xmlns="">
+    <mc:Fallback>
       <p:transition>
         <p:fade/>
       </p:transition>
     </mc:Fallback>
   </mc:AlternateContent>
-  <p:timing>
-    <p:tnLst>
-      <p:par>
-        <p:cTn id="1" dur="indefinite" restart="never" nodeType="tmRoot"/>
-      </p:par>
-    </p:tnLst>
-  </p:timing>
 </p:sld>
 </file>
 
@@ -4358,6 +4695,28 @@
       </p:grpSpPr>
       <p:sp>
         <p:nvSpPr>
+          <p:cNvPr id="11" name="Title 10"/>
+          <p:cNvSpPr>
+            <a:spLocks noGrp="1"/>
+          </p:cNvSpPr>
+          <p:nvPr>
+            <p:ph type="title"/>
+          </p:nvPr>
+        </p:nvSpPr>
+        <p:spPr/>
+        <p:txBody>
+          <a:bodyPr/>
+          <a:lstStyle/>
+          <a:p>
+            <a:r>
+              <a:rPr lang="en-US"/>
+              <a:t>Packaging Design</a:t>
+            </a:r>
+          </a:p>
+        </p:txBody>
+      </p:sp>
+      <p:sp>
+        <p:nvSpPr>
           <p:cNvPr id="13" name="Text Placeholder 12"/>
           <p:cNvSpPr>
             <a:spLocks noGrp="1"/>
@@ -4368,8 +4727,8 @@
         </p:nvSpPr>
         <p:spPr>
           <a:xfrm>
-            <a:off x="457200" y="1276709"/>
-            <a:ext cx="8229600" cy="5306971"/>
+            <a:off x="-761" y="3600893"/>
+            <a:ext cx="8364070" cy="2066231"/>
           </a:xfrm>
         </p:spPr>
         <p:txBody>
@@ -4378,99 +4737,170 @@
           </a:bodyPr>
           <a:lstStyle/>
           <a:p>
-            <a:pPr marL="285750" indent="-285750">
-              <a:buFont typeface="Arial" panose="020B0604020202020204" pitchFamily="34" charset="0"/>
+            <a:pPr marL="342900" indent="-342900">
+              <a:buFont typeface="Arial"/>
               <a:buChar char="•"/>
             </a:pPr>
             <a:r>
-              <a:rPr lang="en-US" sz="2000" i="1" dirty="0" smtClean="0">
+              <a:rPr lang="en-US" sz="2000">
                 <a:solidFill>
-                  <a:srgbClr val="FF0000"/>
+                  <a:srgbClr val="000000"/>
                 </a:solidFill>
-                <a:latin typeface="Arial" panose="020B0604020202020204" pitchFamily="34" charset="0"/>
-                <a:cs typeface="Arial" panose="020B0604020202020204" pitchFamily="34" charset="0"/>
               </a:rPr>
-              <a:t>In this section, detail team progress with software development. List out the major modules for your team’s software. For each module, detail its status (Not yet started / In development / In testing / Completed)</a:t>
-            </a:r>
-          </a:p>
-        </p:txBody>
-      </p:sp>
-      <p:sp>
-        <p:nvSpPr>
-          <p:cNvPr id="11" name="Title 10"/>
-          <p:cNvSpPr>
-            <a:spLocks noGrp="1"/>
-          </p:cNvSpPr>
-          <p:nvPr>
-            <p:ph type="title"/>
-          </p:nvPr>
-        </p:nvSpPr>
-        <p:spPr/>
+              <a:t>Outer layer 295x103x12 mm</a:t>
+            </a:r>
+            <a:endParaRPr lang="en-US" sz="2000">
+              <a:solidFill>
+                <a:srgbClr val="000000"/>
+              </a:solidFill>
+              <a:latin typeface="Arial" panose="020B0604020202020204" pitchFamily="34" charset="0"/>
+              <a:cs typeface="Arial" panose="020B0604020202020204" pitchFamily="34" charset="0"/>
+            </a:endParaRPr>
+          </a:p>
+          <a:p>
+            <a:pPr marL="342900" indent="-342900">
+              <a:buFont typeface="Arial"/>
+              <a:buChar char="•"/>
+            </a:pPr>
+            <a:r>
+              <a:rPr lang="en-US" sz="2000">
+                <a:solidFill>
+                  <a:srgbClr val="000000"/>
+                </a:solidFill>
+              </a:rPr>
+              <a:t>Inner layer 286x94x8 mm</a:t>
+            </a:r>
+            <a:endParaRPr lang="en-US" sz="2000">
+              <a:solidFill>
+                <a:srgbClr val="000000"/>
+              </a:solidFill>
+              <a:latin typeface="Arial" panose="020B0604020202020204" pitchFamily="34" charset="0"/>
+              <a:cs typeface="Arial" panose="020B0604020202020204" pitchFamily="34" charset="0"/>
+            </a:endParaRPr>
+          </a:p>
+          <a:p>
+            <a:pPr marL="342900" indent="-342900">
+              <a:buFont typeface="Arial"/>
+              <a:buChar char="•"/>
+            </a:pPr>
+            <a:r>
+              <a:rPr lang="en-US" sz="2000">
+                <a:solidFill>
+                  <a:srgbClr val="000000"/>
+                </a:solidFill>
+              </a:rPr>
+              <a:t>3 access points to allow it to connect to other modules, and a point of access to connect to the USB port. </a:t>
+            </a:r>
+            <a:endParaRPr lang="en-US" sz="2000">
+              <a:solidFill>
+                <a:srgbClr val="000000"/>
+              </a:solidFill>
+              <a:latin typeface="Arial" panose="020B0604020202020204" pitchFamily="34" charset="0"/>
+              <a:cs typeface="Arial" panose="020B0604020202020204" pitchFamily="34" charset="0"/>
+            </a:endParaRPr>
+          </a:p>
+          <a:p>
+            <a:pPr marL="342900" indent="-342900">
+              <a:buFont typeface="Arial"/>
+              <a:buChar char="•"/>
+            </a:pPr>
+            <a:r>
+              <a:rPr lang="en-US" sz="2000">
+                <a:solidFill>
+                  <a:srgbClr val="000000"/>
+                </a:solidFill>
+              </a:rPr>
+              <a:t>Keyboard has evolved, but the packaging design will remain fairly similar</a:t>
+            </a:r>
+            <a:endParaRPr lang="en-US" sz="2000">
+              <a:solidFill>
+                <a:srgbClr val="000000"/>
+              </a:solidFill>
+              <a:latin typeface="Arial" panose="020B0604020202020204" pitchFamily="34" charset="0"/>
+              <a:cs typeface="Arial" panose="020B0604020202020204" pitchFamily="34" charset="0"/>
+            </a:endParaRPr>
+          </a:p>
+        </p:txBody>
+      </p:sp>
+      <p:sp>
+        <p:nvSpPr>
+          <p:cNvPr id="8" name="Text Placeholder 2"/>
+          <p:cNvSpPr>
+            <a:spLocks noGrp="1"/>
+          </p:cNvSpPr>
+          <p:nvPr>
+            <p:ph type="body" idx="11"/>
+          </p:nvPr>
+        </p:nvSpPr>
+        <p:spPr>
+          <a:xfrm>
+            <a:off x="457200" y="924643"/>
+            <a:ext cx="8229600" cy="442912"/>
+          </a:xfrm>
+        </p:spPr>
         <p:txBody>
           <a:bodyPr/>
           <a:lstStyle/>
           <a:p>
             <a:r>
-              <a:rPr lang="en-US" dirty="0" smtClean="0"/>
-              <a:t>Software Development Status</a:t>
-            </a:r>
-            <a:endParaRPr lang="en-US" dirty="0"/>
-          </a:p>
-        </p:txBody>
-      </p:sp>
-      <p:sp>
-        <p:nvSpPr>
-          <p:cNvPr id="8" name="Text Placeholder 2"/>
-          <p:cNvSpPr>
-            <a:spLocks noGrp="1"/>
-          </p:cNvSpPr>
-          <p:nvPr>
-            <p:ph type="body" idx="11"/>
-          </p:nvPr>
-        </p:nvSpPr>
-        <p:spPr>
-          <a:xfrm>
-            <a:off x="457200" y="924643"/>
-            <a:ext cx="8229600" cy="442912"/>
-          </a:xfrm>
-        </p:spPr>
-        <p:txBody>
-          <a:bodyPr/>
-          <a:lstStyle/>
-          <a:p>
-            <a:endParaRPr lang="en-US" sz="2400" dirty="0"/>
-          </a:p>
-        </p:txBody>
-      </p:sp>
+              <a:rPr lang="en-US" sz="2400"/>
+              <a:t>Main Keyboard Original Design</a:t>
+            </a:r>
+          </a:p>
+        </p:txBody>
+      </p:sp>
+      <p:pic>
+        <p:nvPicPr>
+          <p:cNvPr id="2" name="Picture 2" descr="A picture containing text, electronics, case, picture frame&#10;&#10;Description automatically generated">
+            <a:extLst>
+              <a:ext uri="{FF2B5EF4-FFF2-40B4-BE49-F238E27FC236}">
+                <a16:creationId xmlns:a16="http://schemas.microsoft.com/office/drawing/2014/main" id="{A688A363-A773-FA8B-DA15-9018FE6112AD}"/>
+              </a:ext>
+            </a:extLst>
+          </p:cNvPr>
+          <p:cNvPicPr>
+            <a:picLocks noChangeAspect="1"/>
+          </p:cNvPicPr>
+          <p:nvPr/>
+        </p:nvPicPr>
+        <p:blipFill>
+          <a:blip r:embed="rId2"/>
+          <a:stretch>
+            <a:fillRect/>
+          </a:stretch>
+        </p:blipFill>
+        <p:spPr>
+          <a:xfrm>
+            <a:off x="3788772" y="1301782"/>
+            <a:ext cx="5392017" cy="3068300"/>
+          </a:xfrm>
+          <a:prstGeom prst="rect">
+            <a:avLst/>
+          </a:prstGeom>
+        </p:spPr>
+      </p:pic>
     </p:spTree>
     <p:extLst>
       <p:ext uri="{BB962C8B-B14F-4D97-AF65-F5344CB8AC3E}">
-        <p14:creationId xmlns:p14="http://schemas.microsoft.com/office/powerpoint/2010/main" val="200959946"/>
+        <p14:creationId xmlns:p14="http://schemas.microsoft.com/office/powerpoint/2010/main" val="2447183972"/>
       </p:ext>
     </p:extLst>
   </p:cSld>
   <p:clrMapOvr>
     <a:masterClrMapping/>
   </p:clrMapOvr>
-  <mc:AlternateContent xmlns:mc="http://schemas.openxmlformats.org/markup-compatibility/2006" xmlns:p14="http://schemas.microsoft.com/office/powerpoint/2010/main">
-    <mc:Choice Requires="p14">
+  <mc:AlternateContent xmlns:mc="http://schemas.openxmlformats.org/markup-compatibility/2006">
+    <mc:Choice xmlns:p14="http://schemas.microsoft.com/office/powerpoint/2010/main" Requires="p14">
       <p:transition p14:dur="300">
         <p:fade/>
       </p:transition>
     </mc:Choice>
-    <mc:Fallback xmlns="">
+    <mc:Fallback>
       <p:transition>
         <p:fade/>
       </p:transition>
     </mc:Fallback>
   </mc:AlternateContent>
-  <p:timing>
-    <p:tnLst>
-      <p:par>
-        <p:cTn id="1" dur="indefinite" restart="never" nodeType="tmRoot"/>
-      </p:par>
-    </p:tnLst>
-  </p:timing>
 </p:sld>
 </file>
 
@@ -4507,10 +4937,9 @@
           <a:lstStyle/>
           <a:p>
             <a:r>
-              <a:rPr lang="en-US" dirty="0" smtClean="0"/>
-              <a:t>Project Timeline</a:t>
-            </a:r>
-            <a:endParaRPr lang="en-US" dirty="0"/>
+              <a:rPr lang="en-US"/>
+              <a:t>Packaging Design</a:t>
+            </a:r>
           </a:p>
         </p:txBody>
       </p:sp>
@@ -4541,15 +4970,27 @@
               <a:buChar char="•"/>
             </a:pPr>
             <a:r>
-              <a:rPr lang="en-US" sz="2400" i="1" dirty="0" smtClean="0">
+              <a:rPr lang="en-US" sz="2200" i="1">
                 <a:solidFill>
                   <a:srgbClr val="FF0000"/>
                 </a:solidFill>
-                <a:latin typeface="Arial" panose="020B0604020202020204" pitchFamily="34" charset="0"/>
-                <a:cs typeface="Arial" panose="020B0604020202020204" pitchFamily="34" charset="0"/>
               </a:rPr>
-              <a:t>Provide a timeline (or GANTT chart, etc.), starting from the current week until the end of the semester, detailing work to be undertaken in completing your team’s project.</a:t>
-            </a:r>
+              <a:t>Include one or more images of your packaging design here. Include relevant dimensions and how you are planning to manufacture your product packaging.</a:t>
+            </a:r>
+          </a:p>
+          <a:p>
+            <a:pPr marL="285750" indent="-285750">
+              <a:buFont typeface="Arial" panose="020B0604020202020204" pitchFamily="34" charset="0"/>
+              <a:buChar char="•"/>
+            </a:pPr>
+            <a:r>
+              <a:rPr lang="en-US" sz="2200" i="1"/>
+              <a:t>We plan to use laser cut acrylic sheets to mount both keyboard modules</a:t>
+            </a:r>
+            <a:endParaRPr lang="en-US" sz="2200" i="1">
+              <a:latin typeface="Arial" panose="020B0604020202020204" pitchFamily="34" charset="0"/>
+              <a:cs typeface="Arial" panose="020B0604020202020204" pitchFamily="34" charset="0"/>
+            </a:endParaRPr>
           </a:p>
         </p:txBody>
       </p:sp>
@@ -4573,39 +5014,35 @@
           <a:bodyPr/>
           <a:lstStyle/>
           <a:p>
-            <a:endParaRPr lang="en-US" sz="2400" dirty="0"/>
+            <a:r>
+              <a:rPr lang="en-US" sz="2400"/>
+              <a:t>Peripheral Module</a:t>
+            </a:r>
           </a:p>
         </p:txBody>
       </p:sp>
     </p:spTree>
     <p:extLst>
       <p:ext uri="{BB962C8B-B14F-4D97-AF65-F5344CB8AC3E}">
-        <p14:creationId xmlns:p14="http://schemas.microsoft.com/office/powerpoint/2010/main" val="2888814003"/>
+        <p14:creationId xmlns:p14="http://schemas.microsoft.com/office/powerpoint/2010/main" val="2993092379"/>
       </p:ext>
     </p:extLst>
   </p:cSld>
   <p:clrMapOvr>
     <a:masterClrMapping/>
   </p:clrMapOvr>
-  <mc:AlternateContent xmlns:mc="http://schemas.openxmlformats.org/markup-compatibility/2006" xmlns:p14="http://schemas.microsoft.com/office/powerpoint/2010/main">
-    <mc:Choice Requires="p14">
+  <mc:AlternateContent xmlns:mc="http://schemas.openxmlformats.org/markup-compatibility/2006">
+    <mc:Choice xmlns:p14="http://schemas.microsoft.com/office/powerpoint/2010/main" Requires="p14">
       <p:transition p14:dur="300">
         <p:fade/>
       </p:transition>
     </mc:Choice>
-    <mc:Fallback xmlns="">
+    <mc:Fallback>
       <p:transition>
         <p:fade/>
       </p:transition>
     </mc:Fallback>
   </mc:AlternateContent>
-  <p:timing>
-    <p:tnLst>
-      <p:par>
-        <p:cTn id="1" dur="indefinite" restart="never" nodeType="tmRoot"/>
-      </p:par>
-    </p:tnLst>
-  </p:timing>
 </p:sld>
 </file>
 
@@ -4633,24 +5070,18 @@
             <a:spLocks noGrp="1"/>
           </p:cNvSpPr>
           <p:nvPr>
-            <p:ph type="title" idx="4294967295"/>
-          </p:nvPr>
-        </p:nvSpPr>
-        <p:spPr>
-          <a:xfrm>
-            <a:off x="908050" y="315913"/>
-            <a:ext cx="8235950" cy="747712"/>
-          </a:xfrm>
-        </p:spPr>
+            <p:ph type="title"/>
+          </p:nvPr>
+        </p:nvSpPr>
+        <p:spPr/>
         <p:txBody>
           <a:bodyPr/>
           <a:lstStyle/>
           <a:p>
             <a:r>
-              <a:rPr lang="en-US" dirty="0" smtClean="0"/>
-              <a:t>3D Printing</a:t>
-            </a:r>
-            <a:endParaRPr lang="en-US" dirty="0"/>
+              <a:rPr lang="en-US"/>
+              <a:t>Electrical Schematic</a:t>
+            </a:r>
           </a:p>
         </p:txBody>
       </p:sp>
@@ -4661,13 +5092,13 @@
             <a:spLocks noGrp="1"/>
           </p:cNvSpPr>
           <p:nvPr>
-            <p:ph type="body" idx="4294967295"/>
-          </p:nvPr>
-        </p:nvSpPr>
-        <p:spPr>
-          <a:xfrm>
-            <a:off x="882650" y="2734574"/>
-            <a:ext cx="7346950" cy="873363"/>
+            <p:ph type="body" idx="12"/>
+          </p:nvPr>
+        </p:nvSpPr>
+        <p:spPr>
+          <a:xfrm>
+            <a:off x="457200" y="1276709"/>
+            <a:ext cx="8229600" cy="5306971"/>
           </a:xfrm>
         </p:spPr>
         <p:txBody>
@@ -4676,9 +5107,682 @@
           </a:bodyPr>
           <a:lstStyle/>
           <a:p>
+            <a:pPr marL="285750" indent="-285750">
+              <a:buFont typeface="Arial" panose="020B0604020202020204" pitchFamily="34" charset="0"/>
+              <a:buChar char="•"/>
+            </a:pPr>
+            <a:r>
+              <a:rPr lang="en-US" sz="2200" i="1">
+                <a:solidFill>
+                  <a:srgbClr val="FF0000"/>
+                </a:solidFill>
+                <a:latin typeface="Arial" panose="020B0604020202020204" pitchFamily="34" charset="0"/>
+                <a:cs typeface="Arial" panose="020B0604020202020204" pitchFamily="34" charset="0"/>
+              </a:rPr>
+              <a:t>Include one or more views of your electrical schematic here. If necessary, break up this section into multiple slides detailing various subsystems which are easily viewable (Hint: a zoomed out view of a large electrical schematic in which nothing can be read will not be helpful for the design review). Your schematics should be complete, organized, and readable.</a:t>
+            </a:r>
+          </a:p>
+        </p:txBody>
+      </p:sp>
+      <p:sp>
+        <p:nvSpPr>
+          <p:cNvPr id="8" name="Text Placeholder 2"/>
+          <p:cNvSpPr>
+            <a:spLocks noGrp="1"/>
+          </p:cNvSpPr>
+          <p:nvPr>
+            <p:ph type="body" idx="11"/>
+          </p:nvPr>
+        </p:nvSpPr>
+        <p:spPr>
+          <a:xfrm>
+            <a:off x="457200" y="924643"/>
+            <a:ext cx="8229600" cy="442912"/>
+          </a:xfrm>
+        </p:spPr>
+        <p:txBody>
+          <a:bodyPr/>
+          <a:lstStyle/>
+          <a:p>
+            <a:endParaRPr lang="en-US" sz="2400"/>
+          </a:p>
+        </p:txBody>
+      </p:sp>
+    </p:spTree>
+    <p:extLst>
+      <p:ext uri="{BB962C8B-B14F-4D97-AF65-F5344CB8AC3E}">
+        <p14:creationId xmlns:p14="http://schemas.microsoft.com/office/powerpoint/2010/main" val="2492192229"/>
+      </p:ext>
+    </p:extLst>
+  </p:cSld>
+  <p:clrMapOvr>
+    <a:masterClrMapping/>
+  </p:clrMapOvr>
+  <mc:AlternateContent xmlns:mc="http://schemas.openxmlformats.org/markup-compatibility/2006">
+    <mc:Choice xmlns:p14="http://schemas.microsoft.com/office/powerpoint/2010/main" Requires="p14">
+      <p:transition p14:dur="300">
+        <p:fade/>
+      </p:transition>
+    </mc:Choice>
+    <mc:Fallback>
+      <p:transition>
+        <p:fade/>
+      </p:transition>
+    </mc:Fallback>
+  </mc:AlternateContent>
+</p:sld>
+</file>
+
+<file path=ppt/slides/slide14.xml><?xml version="1.0" encoding="utf-8"?>
+<p:sld xmlns:a="http://schemas.openxmlformats.org/drawingml/2006/main" xmlns:r="http://schemas.openxmlformats.org/officeDocument/2006/relationships" xmlns:p="http://schemas.openxmlformats.org/presentationml/2006/main">
+  <p:cSld>
+    <p:spTree>
+      <p:nvGrpSpPr>
+        <p:cNvPr id="1" name=""/>
+        <p:cNvGrpSpPr/>
+        <p:nvPr/>
+      </p:nvGrpSpPr>
+      <p:grpSpPr>
+        <a:xfrm>
+          <a:off x="0" y="0"/>
+          <a:ext cx="0" cy="0"/>
+          <a:chOff x="0" y="0"/>
+          <a:chExt cx="0" cy="0"/>
+        </a:xfrm>
+      </p:grpSpPr>
+      <p:sp>
+        <p:nvSpPr>
+          <p:cNvPr id="11" name="Title 10"/>
+          <p:cNvSpPr>
+            <a:spLocks noGrp="1"/>
+          </p:cNvSpPr>
+          <p:nvPr>
+            <p:ph type="title"/>
+          </p:nvPr>
+        </p:nvSpPr>
+        <p:spPr/>
+        <p:txBody>
+          <a:bodyPr/>
+          <a:lstStyle/>
+          <a:p>
+            <a:r>
+              <a:rPr lang="en-US"/>
+              <a:t>PCB Layout</a:t>
+            </a:r>
+          </a:p>
+        </p:txBody>
+      </p:sp>
+      <p:sp>
+        <p:nvSpPr>
+          <p:cNvPr id="13" name="Text Placeholder 12"/>
+          <p:cNvSpPr>
+            <a:spLocks noGrp="1"/>
+          </p:cNvSpPr>
+          <p:nvPr>
+            <p:ph type="body" idx="12"/>
+          </p:nvPr>
+        </p:nvSpPr>
+        <p:spPr>
+          <a:xfrm>
+            <a:off x="457200" y="1276709"/>
+            <a:ext cx="8229600" cy="5306971"/>
+          </a:xfrm>
+        </p:spPr>
+        <p:txBody>
+          <a:bodyPr>
+            <a:noAutofit/>
+          </a:bodyPr>
+          <a:lstStyle/>
+          <a:p>
+            <a:pPr marL="285750" indent="-285750">
+              <a:buFont typeface="Arial" panose="020B0604020202020204" pitchFamily="34" charset="0"/>
+              <a:buChar char="•"/>
+            </a:pPr>
+            <a:r>
+              <a:rPr lang="en-US" sz="2200" i="1">
+                <a:solidFill>
+                  <a:srgbClr val="FF0000"/>
+                </a:solidFill>
+                <a:latin typeface="Arial" panose="020B0604020202020204" pitchFamily="34" charset="0"/>
+                <a:cs typeface="Arial" panose="020B0604020202020204" pitchFamily="34" charset="0"/>
+              </a:rPr>
+              <a:t>Include one or more views of your PCB Layout here. If necessary, break up this section into multiple slides detailing various subsystems which are easily viewable (Hint: a zoomed out view of a large electrical schematic in which nothing can be read will not be helpful for the design review). Your layout should be complete, organized, and readable.</a:t>
+            </a:r>
+          </a:p>
+        </p:txBody>
+      </p:sp>
+      <p:sp>
+        <p:nvSpPr>
+          <p:cNvPr id="8" name="Text Placeholder 2"/>
+          <p:cNvSpPr>
+            <a:spLocks noGrp="1"/>
+          </p:cNvSpPr>
+          <p:nvPr>
+            <p:ph type="body" idx="11"/>
+          </p:nvPr>
+        </p:nvSpPr>
+        <p:spPr>
+          <a:xfrm>
+            <a:off x="457200" y="924643"/>
+            <a:ext cx="8229600" cy="442912"/>
+          </a:xfrm>
+        </p:spPr>
+        <p:txBody>
+          <a:bodyPr/>
+          <a:lstStyle/>
+          <a:p>
+            <a:endParaRPr lang="en-US" sz="2400"/>
+          </a:p>
+        </p:txBody>
+      </p:sp>
+    </p:spTree>
+    <p:extLst>
+      <p:ext uri="{BB962C8B-B14F-4D97-AF65-F5344CB8AC3E}">
+        <p14:creationId xmlns:p14="http://schemas.microsoft.com/office/powerpoint/2010/main" val="580118554"/>
+      </p:ext>
+    </p:extLst>
+  </p:cSld>
+  <p:clrMapOvr>
+    <a:masterClrMapping/>
+  </p:clrMapOvr>
+  <mc:AlternateContent xmlns:mc="http://schemas.openxmlformats.org/markup-compatibility/2006">
+    <mc:Choice xmlns:p14="http://schemas.microsoft.com/office/powerpoint/2010/main" Requires="p14">
+      <p:transition p14:dur="300">
+        <p:fade/>
+      </p:transition>
+    </mc:Choice>
+    <mc:Fallback>
+      <p:transition>
+        <p:fade/>
+      </p:transition>
+    </mc:Fallback>
+  </mc:AlternateContent>
+</p:sld>
+</file>
+
+<file path=ppt/slides/slide15.xml><?xml version="1.0" encoding="utf-8"?>
+<p:sld xmlns:a="http://schemas.openxmlformats.org/drawingml/2006/main" xmlns:r="http://schemas.openxmlformats.org/officeDocument/2006/relationships" xmlns:p="http://schemas.openxmlformats.org/presentationml/2006/main">
+  <p:cSld>
+    <p:spTree>
+      <p:nvGrpSpPr>
+        <p:cNvPr id="1" name=""/>
+        <p:cNvGrpSpPr/>
+        <p:nvPr/>
+      </p:nvGrpSpPr>
+      <p:grpSpPr>
+        <a:xfrm>
+          <a:off x="0" y="0"/>
+          <a:ext cx="0" cy="0"/>
+          <a:chOff x="0" y="0"/>
+          <a:chExt cx="0" cy="0"/>
+        </a:xfrm>
+      </p:grpSpPr>
+      <p:sp>
+        <p:nvSpPr>
+          <p:cNvPr id="13" name="Text Placeholder 12"/>
+          <p:cNvSpPr>
+            <a:spLocks noGrp="1"/>
+          </p:cNvSpPr>
+          <p:nvPr>
+            <p:ph type="body" idx="12"/>
+          </p:nvPr>
+        </p:nvSpPr>
+        <p:spPr>
+          <a:xfrm>
+            <a:off x="457200" y="1276709"/>
+            <a:ext cx="8229600" cy="5306971"/>
+          </a:xfrm>
+        </p:spPr>
+        <p:txBody>
+          <a:bodyPr>
+            <a:noAutofit/>
+          </a:bodyPr>
+          <a:lstStyle/>
+          <a:p>
+            <a:pPr marL="285750" indent="-285750">
+              <a:buFont typeface="Arial" panose="020B0604020202020204" pitchFamily="34" charset="0"/>
+              <a:buChar char="•"/>
+            </a:pPr>
+            <a:r>
+              <a:rPr lang="en-US" sz="2200" i="1">
+                <a:solidFill>
+                  <a:srgbClr val="FF0000"/>
+                </a:solidFill>
+                <a:latin typeface="Arial" panose="020B0604020202020204" pitchFamily="34" charset="0"/>
+                <a:cs typeface="Arial" panose="020B0604020202020204" pitchFamily="34" charset="0"/>
+              </a:rPr>
+              <a:t>Describe your team’s prototyping progress here. For each of your project’s major components, what has been tested? What is known to work? What still needs to be tested, and what still needs to be proven to work?</a:t>
+            </a:r>
+            <a:endParaRPr lang="en-US" sz="2200" i="1" u="sng">
+              <a:solidFill>
+                <a:srgbClr val="FF0000"/>
+              </a:solidFill>
+              <a:latin typeface="Arial" panose="020B0604020202020204" pitchFamily="34" charset="0"/>
+              <a:cs typeface="Arial" panose="020B0604020202020204" pitchFamily="34" charset="0"/>
+            </a:endParaRPr>
+          </a:p>
+        </p:txBody>
+      </p:sp>
+      <p:sp>
+        <p:nvSpPr>
+          <p:cNvPr id="11" name="Title 10"/>
+          <p:cNvSpPr>
+            <a:spLocks noGrp="1"/>
+          </p:cNvSpPr>
+          <p:nvPr>
+            <p:ph type="title"/>
+          </p:nvPr>
+        </p:nvSpPr>
+        <p:spPr/>
+        <p:txBody>
+          <a:bodyPr/>
+          <a:lstStyle/>
+          <a:p>
+            <a:r>
+              <a:rPr lang="en-US"/>
+              <a:t>Prototyping Progress</a:t>
+            </a:r>
+          </a:p>
+        </p:txBody>
+      </p:sp>
+      <p:sp>
+        <p:nvSpPr>
+          <p:cNvPr id="8" name="Text Placeholder 2"/>
+          <p:cNvSpPr>
+            <a:spLocks noGrp="1"/>
+          </p:cNvSpPr>
+          <p:nvPr>
+            <p:ph type="body" idx="11"/>
+          </p:nvPr>
+        </p:nvSpPr>
+        <p:spPr>
+          <a:xfrm>
+            <a:off x="457200" y="924643"/>
+            <a:ext cx="8229600" cy="442912"/>
+          </a:xfrm>
+        </p:spPr>
+        <p:txBody>
+          <a:bodyPr/>
+          <a:lstStyle/>
+          <a:p>
+            <a:endParaRPr lang="en-US" sz="2400"/>
+          </a:p>
+        </p:txBody>
+      </p:sp>
+    </p:spTree>
+    <p:extLst>
+      <p:ext uri="{BB962C8B-B14F-4D97-AF65-F5344CB8AC3E}">
+        <p14:creationId xmlns:p14="http://schemas.microsoft.com/office/powerpoint/2010/main" val="1704002901"/>
+      </p:ext>
+    </p:extLst>
+  </p:cSld>
+  <p:clrMapOvr>
+    <a:masterClrMapping/>
+  </p:clrMapOvr>
+  <mc:AlternateContent xmlns:mc="http://schemas.openxmlformats.org/markup-compatibility/2006">
+    <mc:Choice xmlns:p14="http://schemas.microsoft.com/office/powerpoint/2010/main" Requires="p14">
+      <p:transition p14:dur="300">
+        <p:fade/>
+      </p:transition>
+    </mc:Choice>
+    <mc:Fallback>
+      <p:transition>
+        <p:fade/>
+      </p:transition>
+    </mc:Fallback>
+  </mc:AlternateContent>
+</p:sld>
+</file>
+
+<file path=ppt/slides/slide16.xml><?xml version="1.0" encoding="utf-8"?>
+<p:sld xmlns:a="http://schemas.openxmlformats.org/drawingml/2006/main" xmlns:r="http://schemas.openxmlformats.org/officeDocument/2006/relationships" xmlns:p="http://schemas.openxmlformats.org/presentationml/2006/main">
+  <p:cSld>
+    <p:spTree>
+      <p:nvGrpSpPr>
+        <p:cNvPr id="1" name=""/>
+        <p:cNvGrpSpPr/>
+        <p:nvPr/>
+      </p:nvGrpSpPr>
+      <p:grpSpPr>
+        <a:xfrm>
+          <a:off x="0" y="0"/>
+          <a:ext cx="0" cy="0"/>
+          <a:chOff x="0" y="0"/>
+          <a:chExt cx="0" cy="0"/>
+        </a:xfrm>
+      </p:grpSpPr>
+      <p:sp>
+        <p:nvSpPr>
+          <p:cNvPr id="13" name="Text Placeholder 12"/>
+          <p:cNvSpPr>
+            <a:spLocks noGrp="1"/>
+          </p:cNvSpPr>
+          <p:nvPr>
+            <p:ph type="body" idx="12"/>
+          </p:nvPr>
+        </p:nvSpPr>
+        <p:spPr>
+          <a:xfrm>
+            <a:off x="457200" y="1276709"/>
+            <a:ext cx="8229600" cy="5306971"/>
+          </a:xfrm>
+        </p:spPr>
+        <p:txBody>
+          <a:bodyPr>
+            <a:noAutofit/>
+          </a:bodyPr>
+          <a:lstStyle/>
+          <a:p>
+            <a:pPr marL="285750" indent="-285750">
+              <a:buFont typeface="Arial" panose="020B0604020202020204" pitchFamily="34" charset="0"/>
+              <a:buChar char="•"/>
+            </a:pPr>
+            <a:r>
+              <a:rPr lang="en-US" sz="2000" i="1">
+                <a:solidFill>
+                  <a:srgbClr val="FF0000"/>
+                </a:solidFill>
+                <a:latin typeface="Arial" panose="020B0604020202020204" pitchFamily="34" charset="0"/>
+                <a:cs typeface="Arial" panose="020B0604020202020204" pitchFamily="34" charset="0"/>
+              </a:rPr>
+              <a:t>In this section, detail team progress with software development. List out the major modules for your team’s software. For each module, detail its status (Not yet started / In development / In testing / Completed)</a:t>
+            </a:r>
+          </a:p>
+          <a:p>
+            <a:pPr marL="285750" indent="-285750">
+              <a:buFont typeface="Arial" panose="020B0604020202020204" pitchFamily="34" charset="0"/>
+              <a:buChar char="•"/>
+            </a:pPr>
+            <a:r>
+              <a:rPr lang="en-US" sz="2000" i="1">
+                <a:solidFill>
+                  <a:srgbClr val="FF0000"/>
+                </a:solidFill>
+              </a:rPr>
+              <a:t>Keyboard Scanning and Debouncing (In development)</a:t>
+            </a:r>
+            <a:br>
+              <a:rPr lang="en-US" sz="2000" i="1">
+                <a:solidFill>
+                  <a:srgbClr val="FF0000"/>
+                </a:solidFill>
+              </a:rPr>
+            </a:br>
+            <a:endParaRPr lang="en-US" sz="2000" i="1">
+              <a:solidFill>
+                <a:srgbClr val="FF0000"/>
+              </a:solidFill>
+            </a:endParaRPr>
+          </a:p>
+        </p:txBody>
+      </p:sp>
+      <p:sp>
+        <p:nvSpPr>
+          <p:cNvPr id="11" name="Title 10"/>
+          <p:cNvSpPr>
+            <a:spLocks noGrp="1"/>
+          </p:cNvSpPr>
+          <p:nvPr>
+            <p:ph type="title"/>
+          </p:nvPr>
+        </p:nvSpPr>
+        <p:spPr/>
+        <p:txBody>
+          <a:bodyPr/>
+          <a:lstStyle/>
+          <a:p>
+            <a:r>
+              <a:rPr lang="en-US"/>
+              <a:t>Software Development Status</a:t>
+            </a:r>
+          </a:p>
+        </p:txBody>
+      </p:sp>
+      <p:sp>
+        <p:nvSpPr>
+          <p:cNvPr id="8" name="Text Placeholder 2"/>
+          <p:cNvSpPr>
+            <a:spLocks noGrp="1"/>
+          </p:cNvSpPr>
+          <p:nvPr>
+            <p:ph type="body" idx="11"/>
+          </p:nvPr>
+        </p:nvSpPr>
+        <p:spPr>
+          <a:xfrm>
+            <a:off x="457200" y="924643"/>
+            <a:ext cx="8229600" cy="442912"/>
+          </a:xfrm>
+        </p:spPr>
+        <p:txBody>
+          <a:bodyPr/>
+          <a:lstStyle/>
+          <a:p>
+            <a:endParaRPr lang="en-US" sz="2400"/>
+          </a:p>
+        </p:txBody>
+      </p:sp>
+    </p:spTree>
+    <p:extLst>
+      <p:ext uri="{BB962C8B-B14F-4D97-AF65-F5344CB8AC3E}">
+        <p14:creationId xmlns:p14="http://schemas.microsoft.com/office/powerpoint/2010/main" val="200959946"/>
+      </p:ext>
+    </p:extLst>
+  </p:cSld>
+  <p:clrMapOvr>
+    <a:masterClrMapping/>
+  </p:clrMapOvr>
+  <mc:AlternateContent xmlns:mc="http://schemas.openxmlformats.org/markup-compatibility/2006">
+    <mc:Choice xmlns:p14="http://schemas.microsoft.com/office/powerpoint/2010/main" Requires="p14">
+      <p:transition p14:dur="300">
+        <p:fade/>
+      </p:transition>
+    </mc:Choice>
+    <mc:Fallback>
+      <p:transition>
+        <p:fade/>
+      </p:transition>
+    </mc:Fallback>
+  </mc:AlternateContent>
+</p:sld>
+</file>
+
+<file path=ppt/slides/slide17.xml><?xml version="1.0" encoding="utf-8"?>
+<p:sld xmlns:a="http://schemas.openxmlformats.org/drawingml/2006/main" xmlns:r="http://schemas.openxmlformats.org/officeDocument/2006/relationships" xmlns:p="http://schemas.openxmlformats.org/presentationml/2006/main">
+  <p:cSld>
+    <p:spTree>
+      <p:nvGrpSpPr>
+        <p:cNvPr id="1" name=""/>
+        <p:cNvGrpSpPr/>
+        <p:nvPr/>
+      </p:nvGrpSpPr>
+      <p:grpSpPr>
+        <a:xfrm>
+          <a:off x="0" y="0"/>
+          <a:ext cx="0" cy="0"/>
+          <a:chOff x="0" y="0"/>
+          <a:chExt cx="0" cy="0"/>
+        </a:xfrm>
+      </p:grpSpPr>
+      <p:sp>
+        <p:nvSpPr>
+          <p:cNvPr id="11" name="Title 10"/>
+          <p:cNvSpPr>
+            <a:spLocks noGrp="1"/>
+          </p:cNvSpPr>
+          <p:nvPr>
+            <p:ph type="title"/>
+          </p:nvPr>
+        </p:nvSpPr>
+        <p:spPr/>
+        <p:txBody>
+          <a:bodyPr/>
+          <a:lstStyle/>
+          <a:p>
+            <a:r>
+              <a:rPr lang="en-US"/>
+              <a:t>Project Timeline</a:t>
+            </a:r>
+          </a:p>
+        </p:txBody>
+      </p:sp>
+      <p:sp>
+        <p:nvSpPr>
+          <p:cNvPr id="13" name="Text Placeholder 12"/>
+          <p:cNvSpPr>
+            <a:spLocks noGrp="1"/>
+          </p:cNvSpPr>
+          <p:nvPr>
+            <p:ph type="body" idx="12"/>
+          </p:nvPr>
+        </p:nvSpPr>
+        <p:spPr>
+          <a:xfrm>
+            <a:off x="457200" y="1276709"/>
+            <a:ext cx="8229600" cy="5306971"/>
+          </a:xfrm>
+        </p:spPr>
+        <p:txBody>
+          <a:bodyPr>
+            <a:noAutofit/>
+          </a:bodyPr>
+          <a:lstStyle/>
+          <a:p>
+            <a:pPr marL="285750" indent="-285750">
+              <a:buFont typeface="Arial" panose="020B0604020202020204" pitchFamily="34" charset="0"/>
+              <a:buChar char="•"/>
+            </a:pPr>
+            <a:r>
+              <a:rPr lang="en-US" sz="2400" i="1">
+                <a:solidFill>
+                  <a:srgbClr val="FF0000"/>
+                </a:solidFill>
+                <a:latin typeface="Arial" panose="020B0604020202020204" pitchFamily="34" charset="0"/>
+                <a:cs typeface="Arial" panose="020B0604020202020204" pitchFamily="34" charset="0"/>
+              </a:rPr>
+              <a:t>Provide a timeline (or GANTT chart, etc.), starting from the current week until the end of the semester, detailing work to be undertaken in completing your team’s project.</a:t>
+            </a:r>
+          </a:p>
+        </p:txBody>
+      </p:sp>
+      <p:sp>
+        <p:nvSpPr>
+          <p:cNvPr id="8" name="Text Placeholder 2"/>
+          <p:cNvSpPr>
+            <a:spLocks noGrp="1"/>
+          </p:cNvSpPr>
+          <p:nvPr>
+            <p:ph type="body" idx="11"/>
+          </p:nvPr>
+        </p:nvSpPr>
+        <p:spPr>
+          <a:xfrm>
+            <a:off x="457200" y="924643"/>
+            <a:ext cx="8229600" cy="442912"/>
+          </a:xfrm>
+        </p:spPr>
+        <p:txBody>
+          <a:bodyPr/>
+          <a:lstStyle/>
+          <a:p>
+            <a:endParaRPr lang="en-US" sz="2400"/>
+          </a:p>
+        </p:txBody>
+      </p:sp>
+    </p:spTree>
+    <p:extLst>
+      <p:ext uri="{BB962C8B-B14F-4D97-AF65-F5344CB8AC3E}">
+        <p14:creationId xmlns:p14="http://schemas.microsoft.com/office/powerpoint/2010/main" val="2888814003"/>
+      </p:ext>
+    </p:extLst>
+  </p:cSld>
+  <p:clrMapOvr>
+    <a:masterClrMapping/>
+  </p:clrMapOvr>
+  <mc:AlternateContent xmlns:mc="http://schemas.openxmlformats.org/markup-compatibility/2006">
+    <mc:Choice xmlns:p14="http://schemas.microsoft.com/office/powerpoint/2010/main" Requires="p14">
+      <p:transition p14:dur="300">
+        <p:fade/>
+      </p:transition>
+    </mc:Choice>
+    <mc:Fallback>
+      <p:transition>
+        <p:fade/>
+      </p:transition>
+    </mc:Fallback>
+  </mc:AlternateContent>
+</p:sld>
+</file>
+
+<file path=ppt/slides/slide18.xml><?xml version="1.0" encoding="utf-8"?>
+<p:sld xmlns:a="http://schemas.openxmlformats.org/drawingml/2006/main" xmlns:r="http://schemas.openxmlformats.org/officeDocument/2006/relationships" xmlns:p="http://schemas.openxmlformats.org/presentationml/2006/main">
+  <p:cSld>
+    <p:spTree>
+      <p:nvGrpSpPr>
+        <p:cNvPr id="1" name=""/>
+        <p:cNvGrpSpPr/>
+        <p:nvPr/>
+      </p:nvGrpSpPr>
+      <p:grpSpPr>
+        <a:xfrm>
+          <a:off x="0" y="0"/>
+          <a:ext cx="0" cy="0"/>
+          <a:chOff x="0" y="0"/>
+          <a:chExt cx="0" cy="0"/>
+        </a:xfrm>
+      </p:grpSpPr>
+      <p:sp>
+        <p:nvSpPr>
+          <p:cNvPr id="11" name="Title 10"/>
+          <p:cNvSpPr>
+            <a:spLocks noGrp="1"/>
+          </p:cNvSpPr>
+          <p:nvPr>
+            <p:ph type="title" idx="4294967295"/>
+          </p:nvPr>
+        </p:nvSpPr>
+        <p:spPr>
+          <a:xfrm>
+            <a:off x="908050" y="315913"/>
+            <a:ext cx="8235950" cy="747712"/>
+          </a:xfrm>
+        </p:spPr>
+        <p:txBody>
+          <a:bodyPr/>
+          <a:lstStyle/>
+          <a:p>
+            <a:r>
+              <a:rPr lang="en-US"/>
+              <a:t>3D Printing</a:t>
+            </a:r>
+          </a:p>
+        </p:txBody>
+      </p:sp>
+      <p:sp>
+        <p:nvSpPr>
+          <p:cNvPr id="13" name="Text Placeholder 12"/>
+          <p:cNvSpPr>
+            <a:spLocks noGrp="1"/>
+          </p:cNvSpPr>
+          <p:nvPr>
+            <p:ph type="body" idx="4294967295"/>
+          </p:nvPr>
+        </p:nvSpPr>
+        <p:spPr>
+          <a:xfrm>
+            <a:off x="882650" y="2734574"/>
+            <a:ext cx="7346950" cy="873363"/>
+          </a:xfrm>
+        </p:spPr>
+        <p:txBody>
+          <a:bodyPr>
+            <a:noAutofit/>
+          </a:bodyPr>
+          <a:lstStyle/>
+          <a:p>
             <a:pPr algn="ctr"/>
             <a:r>
-              <a:rPr lang="en-US" sz="4800" dirty="0" smtClean="0">
+              <a:rPr lang="en-US" sz="4800">
                 <a:latin typeface="Arial" panose="020B0604020202020204" pitchFamily="34" charset="0"/>
                 <a:cs typeface="Arial" panose="020B0604020202020204" pitchFamily="34" charset="0"/>
               </a:rPr>
@@ -4697,25 +5801,18 @@
   <p:clrMapOvr>
     <a:masterClrMapping/>
   </p:clrMapOvr>
-  <mc:AlternateContent xmlns:mc="http://schemas.openxmlformats.org/markup-compatibility/2006" xmlns:p14="http://schemas.microsoft.com/office/powerpoint/2010/main">
-    <mc:Choice Requires="p14">
+  <mc:AlternateContent xmlns:mc="http://schemas.openxmlformats.org/markup-compatibility/2006">
+    <mc:Choice xmlns:p14="http://schemas.microsoft.com/office/powerpoint/2010/main" Requires="p14">
       <p:transition p14:dur="300">
         <p:fade/>
       </p:transition>
     </mc:Choice>
-    <mc:Fallback xmlns="">
+    <mc:Fallback>
       <p:transition>
         <p:fade/>
       </p:transition>
     </mc:Fallback>
   </mc:AlternateContent>
-  <p:timing>
-    <p:tnLst>
-      <p:par>
-        <p:cTn id="1" dur="indefinite" restart="never" nodeType="tmRoot"/>
-      </p:par>
-    </p:tnLst>
-  </p:timing>
 </p:sld>
 </file>
 
@@ -4752,10 +5849,9 @@
           <a:lstStyle/>
           <a:p>
             <a:r>
-              <a:rPr lang="en-US" dirty="0" smtClean="0"/>
+              <a:rPr lang="en-US"/>
               <a:t>Outline</a:t>
             </a:r>
-            <a:endParaRPr lang="en-US" dirty="0"/>
           </a:p>
         </p:txBody>
       </p:sp>
@@ -4786,7 +5882,7 @@
               <a:buChar char="•"/>
             </a:pPr>
             <a:r>
-              <a:rPr lang="en-US" sz="2200" dirty="0" smtClean="0">
+              <a:rPr lang="en-US" sz="2200">
                 <a:latin typeface="Arial" panose="020B0604020202020204" pitchFamily="34" charset="0"/>
                 <a:cs typeface="Arial" panose="020B0604020202020204" pitchFamily="34" charset="0"/>
               </a:rPr>
@@ -4799,18 +5895,11 @@
               <a:buChar char="•"/>
             </a:pPr>
             <a:r>
-              <a:rPr lang="en-US" sz="2200" dirty="0">
+              <a:rPr lang="en-US" sz="2200">
                 <a:latin typeface="Arial" panose="020B0604020202020204" pitchFamily="34" charset="0"/>
                 <a:cs typeface="Arial" panose="020B0604020202020204" pitchFamily="34" charset="0"/>
               </a:rPr>
-              <a:t>Major </a:t>
-            </a:r>
-            <a:r>
-              <a:rPr lang="en-US" sz="2200" dirty="0" smtClean="0">
-                <a:latin typeface="Arial" panose="020B0604020202020204" pitchFamily="34" charset="0"/>
-                <a:cs typeface="Arial" panose="020B0604020202020204" pitchFamily="34" charset="0"/>
-              </a:rPr>
-              <a:t>Components</a:t>
+              <a:t>Major Components</a:t>
             </a:r>
           </a:p>
           <a:p>
@@ -4819,7 +5908,7 @@
               <a:buChar char="•"/>
             </a:pPr>
             <a:r>
-              <a:rPr lang="en-US" sz="2200" dirty="0" smtClean="0">
+              <a:rPr lang="en-US" sz="2200">
                 <a:latin typeface="Arial" panose="020B0604020202020204" pitchFamily="34" charset="0"/>
                 <a:cs typeface="Arial" panose="020B0604020202020204" pitchFamily="34" charset="0"/>
               </a:rPr>
@@ -4832,7 +5921,7 @@
               <a:buChar char="•"/>
             </a:pPr>
             <a:r>
-              <a:rPr lang="en-US" sz="2200" dirty="0" smtClean="0">
+              <a:rPr lang="en-US" sz="2200">
                 <a:latin typeface="Arial" panose="020B0604020202020204" pitchFamily="34" charset="0"/>
                 <a:cs typeface="Arial" panose="020B0604020202020204" pitchFamily="34" charset="0"/>
               </a:rPr>
@@ -4845,7 +5934,7 @@
               <a:buChar char="•"/>
             </a:pPr>
             <a:r>
-              <a:rPr lang="en-US" sz="2200" dirty="0" smtClean="0">
+              <a:rPr lang="en-US" sz="2200">
                 <a:latin typeface="Arial" panose="020B0604020202020204" pitchFamily="34" charset="0"/>
                 <a:cs typeface="Arial" panose="020B0604020202020204" pitchFamily="34" charset="0"/>
               </a:rPr>
@@ -4858,7 +5947,7 @@
               <a:buChar char="•"/>
             </a:pPr>
             <a:r>
-              <a:rPr lang="en-US" sz="2200" dirty="0" smtClean="0">
+              <a:rPr lang="en-US" sz="2200">
                 <a:latin typeface="Arial" panose="020B0604020202020204" pitchFamily="34" charset="0"/>
                 <a:cs typeface="Arial" panose="020B0604020202020204" pitchFamily="34" charset="0"/>
               </a:rPr>
@@ -4871,7 +5960,7 @@
               <a:buChar char="•"/>
             </a:pPr>
             <a:r>
-              <a:rPr lang="en-US" sz="2200" dirty="0" smtClean="0">
+              <a:rPr lang="en-US" sz="2200">
                 <a:latin typeface="Arial" panose="020B0604020202020204" pitchFamily="34" charset="0"/>
                 <a:cs typeface="Arial" panose="020B0604020202020204" pitchFamily="34" charset="0"/>
               </a:rPr>
@@ -4884,7 +5973,7 @@
               <a:buChar char="•"/>
             </a:pPr>
             <a:r>
-              <a:rPr lang="en-US" sz="2200" dirty="0" smtClean="0">
+              <a:rPr lang="en-US" sz="2200">
                 <a:latin typeface="Arial" panose="020B0604020202020204" pitchFamily="34" charset="0"/>
                 <a:cs typeface="Arial" panose="020B0604020202020204" pitchFamily="34" charset="0"/>
               </a:rPr>
@@ -4897,7 +5986,7 @@
               <a:buChar char="•"/>
             </a:pPr>
             <a:r>
-              <a:rPr lang="en-US" sz="2200" dirty="0" smtClean="0">
+              <a:rPr lang="en-US" sz="2200">
                 <a:latin typeface="Arial" panose="020B0604020202020204" pitchFamily="34" charset="0"/>
                 <a:cs typeface="Arial" panose="020B0604020202020204" pitchFamily="34" charset="0"/>
               </a:rPr>
@@ -4910,7 +5999,7 @@
               <a:buChar char="•"/>
             </a:pPr>
             <a:r>
-              <a:rPr lang="en-US" sz="2200" dirty="0" smtClean="0">
+              <a:rPr lang="en-US" sz="2200">
                 <a:latin typeface="Arial" panose="020B0604020202020204" pitchFamily="34" charset="0"/>
                 <a:cs typeface="Arial" panose="020B0604020202020204" pitchFamily="34" charset="0"/>
               </a:rPr>
@@ -4929,25 +6018,18 @@
   <p:clrMapOvr>
     <a:masterClrMapping/>
   </p:clrMapOvr>
-  <mc:AlternateContent xmlns:mc="http://schemas.openxmlformats.org/markup-compatibility/2006" xmlns:p14="http://schemas.microsoft.com/office/powerpoint/2010/main">
-    <mc:Choice Requires="p14">
+  <mc:AlternateContent xmlns:mc="http://schemas.openxmlformats.org/markup-compatibility/2006">
+    <mc:Choice xmlns:p14="http://schemas.microsoft.com/office/powerpoint/2010/main" Requires="p14">
       <p:transition p14:dur="300">
         <p:fade/>
       </p:transition>
     </mc:Choice>
-    <mc:Fallback xmlns="">
+    <mc:Fallback>
       <p:transition>
         <p:fade/>
       </p:transition>
     </mc:Fallback>
   </mc:AlternateContent>
-  <p:timing>
-    <p:tnLst>
-      <p:par>
-        <p:cTn id="1" dur="indefinite" restart="never" nodeType="tmRoot"/>
-      </p:par>
-    </p:tnLst>
-  </p:timing>
 </p:sld>
 </file>
 
@@ -4984,10 +6066,9 @@
           <a:lstStyle/>
           <a:p>
             <a:r>
-              <a:rPr lang="en-US" dirty="0" smtClean="0"/>
+              <a:rPr lang="en-US"/>
               <a:t>Project Overview</a:t>
             </a:r>
-            <a:endParaRPr lang="en-US" dirty="0"/>
           </a:p>
         </p:txBody>
       </p:sp>
@@ -5018,14 +6099,12 @@
               <a:buChar char="•"/>
             </a:pPr>
             <a:r>
-              <a:rPr lang="en-US" sz="2200" i="1" dirty="0" smtClean="0">
+              <a:rPr lang="en-US" sz="2200" i="1">
                 <a:solidFill>
-                  <a:srgbClr val="FF0000"/>
+                  <a:srgbClr val="000000"/>
                 </a:solidFill>
-                <a:latin typeface="Arial" panose="020B0604020202020204" pitchFamily="34" charset="0"/>
-                <a:cs typeface="Arial" panose="020B0604020202020204" pitchFamily="34" charset="0"/>
               </a:rPr>
-              <a:t>In this section provide a concise description of your project. What is it? What will it do? What differentiates it from similar projects and prior art? Include a relevant picture of your project or “artist rendering” of the completed project.</a:t>
+              <a:t>NYAKB is a newcomer in the growing mechanical keyboard community that includes a high quality, phone sized LCD screen that will display various information, and can interact with the keyboard itself. The module will be detachable. Current keyboards on the market don't have the unique display functionality NYAKB has.</a:t>
             </a:r>
           </a:p>
         </p:txBody>
@@ -5050,10 +6129,42 @@
           <a:bodyPr/>
           <a:lstStyle/>
           <a:p>
-            <a:endParaRPr lang="en-US" sz="2400" dirty="0"/>
-          </a:p>
-        </p:txBody>
-      </p:sp>
+            <a:r>
+              <a:rPr lang="en-US" sz="2400"/>
+              <a:t>Not your average Keyboard (NYAKB)</a:t>
+            </a:r>
+          </a:p>
+        </p:txBody>
+      </p:sp>
+      <p:pic>
+        <p:nvPicPr>
+          <p:cNvPr id="3" name="Picture 3" descr="Diagram&#10;&#10;Description automatically generated">
+            <a:extLst>
+              <a:ext uri="{FF2B5EF4-FFF2-40B4-BE49-F238E27FC236}">
+                <a16:creationId xmlns:a16="http://schemas.microsoft.com/office/drawing/2014/main" id="{78360789-A1B1-CEEC-7CD3-90CC42C48587}"/>
+              </a:ext>
+            </a:extLst>
+          </p:cNvPr>
+          <p:cNvPicPr>
+            <a:picLocks noChangeAspect="1"/>
+          </p:cNvPicPr>
+          <p:nvPr/>
+        </p:nvPicPr>
+        <p:blipFill rotWithShape="1">
+          <a:blip r:embed="rId2"/>
+          <a:srcRect l="218" t="6484" r="29053" b="5237"/>
+          <a:stretch/>
+        </p:blipFill>
+        <p:spPr>
+          <a:xfrm>
+            <a:off x="2694105" y="3429417"/>
+            <a:ext cx="5557165" cy="3028473"/>
+          </a:xfrm>
+          <a:prstGeom prst="rect">
+            <a:avLst/>
+          </a:prstGeom>
+        </p:spPr>
+      </p:pic>
     </p:spTree>
     <p:extLst>
       <p:ext uri="{BB962C8B-B14F-4D97-AF65-F5344CB8AC3E}">
@@ -5064,25 +6175,18 @@
   <p:clrMapOvr>
     <a:masterClrMapping/>
   </p:clrMapOvr>
-  <mc:AlternateContent xmlns:mc="http://schemas.openxmlformats.org/markup-compatibility/2006" xmlns:p14="http://schemas.microsoft.com/office/powerpoint/2010/main">
-    <mc:Choice Requires="p14">
+  <mc:AlternateContent xmlns:mc="http://schemas.openxmlformats.org/markup-compatibility/2006">
+    <mc:Choice xmlns:p14="http://schemas.microsoft.com/office/powerpoint/2010/main" Requires="p14">
       <p:transition p14:dur="300">
         <p:fade/>
       </p:transition>
     </mc:Choice>
-    <mc:Fallback xmlns="">
+    <mc:Fallback>
       <p:transition>
         <p:fade/>
       </p:transition>
     </mc:Fallback>
   </mc:AlternateContent>
-  <p:timing>
-    <p:tnLst>
-      <p:par>
-        <p:cTn id="1" dur="indefinite" restart="never" nodeType="tmRoot"/>
-      </p:par>
-    </p:tnLst>
-  </p:timing>
 </p:sld>
 </file>
 
@@ -5119,10 +6223,9 @@
           <a:lstStyle/>
           <a:p>
             <a:r>
-              <a:rPr lang="en-US" dirty="0" smtClean="0"/>
+              <a:rPr lang="en-US"/>
               <a:t>PSSCs</a:t>
             </a:r>
-            <a:endParaRPr lang="en-US" dirty="0"/>
           </a:p>
         </p:txBody>
       </p:sp>
@@ -5148,27 +6251,54 @@
           </a:bodyPr>
           <a:lstStyle/>
           <a:p>
-            <a:pPr marL="285750" indent="-285750">
-              <a:buFont typeface="Arial" panose="020B0604020202020204" pitchFamily="34" charset="0"/>
-              <a:buChar char="•"/>
+            <a:pPr marL="457200" indent="-457200">
+              <a:buAutoNum type="arabicPeriod"/>
             </a:pPr>
             <a:r>
-              <a:rPr lang="en-US" sz="2200" i="1" dirty="0" smtClean="0">
-                <a:solidFill>
-                  <a:srgbClr val="FF0000"/>
-                </a:solidFill>
-                <a:latin typeface="Arial" panose="020B0604020202020204" pitchFamily="34" charset="0"/>
-                <a:cs typeface="Arial" panose="020B0604020202020204" pitchFamily="34" charset="0"/>
-              </a:rPr>
-              <a:t>List your team’s PSSCs in this section. This slide is intended to be used for reviewer reference only, and should be passed over during the actual presentation (as there are more important things to be discussed)</a:t>
-            </a:r>
-            <a:endParaRPr lang="en-US" sz="2200" i="1" dirty="0" smtClean="0">
+              <a:rPr lang="en-US" sz="2000"/>
+              <a:t>PSSC #1 (Hardware): An ability to have a key switch matrix for the various typing keys on a keyboard that can be scanned and debounced for clean inputs by the microcontroller on the main keyboard module.</a:t>
+            </a:r>
+            <a:endParaRPr lang="en-US" sz="2000" i="1">
               <a:solidFill>
                 <a:srgbClr val="FF0000"/>
               </a:solidFill>
-              <a:latin typeface="Arial" panose="020B0604020202020204" pitchFamily="34" charset="0"/>
-              <a:cs typeface="Arial" panose="020B0604020202020204" pitchFamily="34" charset="0"/>
             </a:endParaRPr>
+          </a:p>
+          <a:p>
+            <a:pPr marL="457200" indent="-457200">
+              <a:buAutoNum type="arabicPeriod"/>
+            </a:pPr>
+            <a:r>
+              <a:rPr lang="en-US" sz="2000"/>
+              <a:t>PSSC #2 (Hardware): An ability to drive an LCD display via SPI.</a:t>
+            </a:r>
+          </a:p>
+          <a:p>
+            <a:pPr marL="457200" indent="-457200">
+              <a:buAutoNum type="arabicPeriod"/>
+            </a:pPr>
+            <a:r>
+              <a:rPr lang="en-US" sz="2000"/>
+              <a:t>PSSC #3 (Hardware): An ability to step down 5V USB input power to 3.3V for the main keyboard MCU and display module MCU/display.</a:t>
+            </a:r>
+          </a:p>
+          <a:p>
+            <a:pPr marL="457200" indent="-457200">
+              <a:buAutoNum type="arabicPeriod"/>
+            </a:pPr>
+            <a:r>
+              <a:rPr lang="en-US" sz="2000"/>
+              <a:t>PSSC #4 (Hardware): An ability to have the main keyboard MCU serve as master and communicate to submodule MCU as slave over I2C.</a:t>
+            </a:r>
+          </a:p>
+          <a:p>
+            <a:pPr marL="457200" indent="-457200">
+              <a:buAutoNum type="arabicPeriod"/>
+            </a:pPr>
+            <a:r>
+              <a:rPr lang="en-US" sz="2000"/>
+              <a:t>PSSC #5 (Hardware): An ability to communicate key presses from the user to the Host PC over a USB connection.</a:t>
+            </a:r>
           </a:p>
         </p:txBody>
       </p:sp>
@@ -5192,7 +6322,7 @@
           <a:bodyPr/>
           <a:lstStyle/>
           <a:p>
-            <a:endParaRPr lang="en-US" sz="2400" dirty="0"/>
+            <a:endParaRPr lang="en-US" sz="2400"/>
           </a:p>
         </p:txBody>
       </p:sp>
@@ -5218,13 +6348,6 @@
       </p:transition>
     </mc:Fallback>
   </mc:AlternateContent>
-  <p:timing>
-    <p:tnLst>
-      <p:par>
-        <p:cTn id="1" dur="indefinite" restart="never" nodeType="tmRoot"/>
-      </p:par>
-    </p:tnLst>
-  </p:timing>
 </p:sld>
 </file>
 
@@ -5261,10 +6384,9 @@
           <a:lstStyle/>
           <a:p>
             <a:r>
-              <a:rPr lang="en-US" dirty="0" smtClean="0"/>
+              <a:rPr lang="en-US"/>
               <a:t>Major Components</a:t>
             </a:r>
-            <a:endParaRPr lang="en-US" dirty="0"/>
           </a:p>
         </p:txBody>
       </p:sp>
@@ -5295,55 +6417,73 @@
               <a:buChar char="•"/>
             </a:pPr>
             <a:r>
-              <a:rPr lang="en-US" sz="2200" i="1" dirty="0" smtClean="0">
+              <a:rPr lang="en-US" sz="2200" i="1">
                 <a:solidFill>
                   <a:srgbClr val="FF0000"/>
                 </a:solidFill>
-                <a:latin typeface="Arial" panose="020B0604020202020204" pitchFamily="34" charset="0"/>
-                <a:cs typeface="Arial" panose="020B0604020202020204" pitchFamily="34" charset="0"/>
               </a:rPr>
               <a:t>Choose the major (electrical) components being utilized by your design. For each component, provide a brief description of what it is, relevant specifications, and what it will do. Examples of major components include the microcontroller, motors, wireless interfaces, power converters and regulators. Examples of relevant specifications include operating speed (</a:t>
             </a:r>
             <a:r>
-              <a:rPr lang="en-US" sz="2200" i="1" dirty="0" err="1" smtClean="0">
+              <a:rPr lang="en-US" sz="2200" i="1" err="1">
                 <a:solidFill>
                   <a:srgbClr val="FF0000"/>
                 </a:solidFill>
-                <a:latin typeface="Arial" panose="020B0604020202020204" pitchFamily="34" charset="0"/>
-                <a:cs typeface="Arial" panose="020B0604020202020204" pitchFamily="34" charset="0"/>
               </a:rPr>
               <a:t>uC</a:t>
             </a:r>
             <a:r>
-              <a:rPr lang="en-US" sz="2200" i="1" dirty="0" smtClean="0">
+              <a:rPr lang="en-US" sz="2200" i="1">
                 <a:solidFill>
                   <a:srgbClr val="FF0000"/>
                 </a:solidFill>
-                <a:latin typeface="Arial" panose="020B0604020202020204" pitchFamily="34" charset="0"/>
-                <a:cs typeface="Arial" panose="020B0604020202020204" pitchFamily="34" charset="0"/>
               </a:rPr>
               <a:t>), number of I/O (</a:t>
             </a:r>
             <a:r>
-              <a:rPr lang="en-US" sz="2200" i="1" dirty="0" err="1" smtClean="0">
+              <a:rPr lang="en-US" sz="2200" i="1" err="1">
                 <a:solidFill>
                   <a:srgbClr val="FF0000"/>
                 </a:solidFill>
-                <a:latin typeface="Arial" panose="020B0604020202020204" pitchFamily="34" charset="0"/>
-                <a:cs typeface="Arial" panose="020B0604020202020204" pitchFamily="34" charset="0"/>
               </a:rPr>
               <a:t>uC</a:t>
             </a:r>
             <a:r>
-              <a:rPr lang="en-US" sz="2200" i="1" dirty="0" smtClean="0">
+              <a:rPr lang="en-US" sz="2200" i="1">
                 <a:solidFill>
                   <a:srgbClr val="FF0000"/>
                 </a:solidFill>
-                <a:latin typeface="Arial" panose="020B0604020202020204" pitchFamily="34" charset="0"/>
-                <a:cs typeface="Arial" panose="020B0604020202020204" pitchFamily="34" charset="0"/>
               </a:rPr>
               <a:t>), stall current (motors), operating voltage, and expected current consumption</a:t>
             </a:r>
+            <a:endParaRPr lang="en-US">
+              <a:solidFill>
+                <a:srgbClr val="000000"/>
+              </a:solidFill>
+            </a:endParaRPr>
+          </a:p>
+          <a:p>
+            <a:pPr marL="285750" indent="-342900"/>
+            <a:endParaRPr lang="en-US" sz="2200">
+              <a:solidFill>
+                <a:srgbClr val="000000"/>
+              </a:solidFill>
+              <a:latin typeface="Arial" panose="020B0604020202020204" pitchFamily="34" charset="0"/>
+              <a:cs typeface="Arial" panose="020B0604020202020204" pitchFamily="34" charset="0"/>
+            </a:endParaRPr>
+          </a:p>
+          <a:p>
+            <a:pPr marL="1028700" lvl="1">
+              <a:buFont typeface="Arial" panose="020B0604020202020204" pitchFamily="34" charset="0"/>
+              <a:buChar char="•"/>
+            </a:pPr>
+            <a:endParaRPr lang="en-US" sz="2200">
+              <a:solidFill>
+                <a:srgbClr val="000000"/>
+              </a:solidFill>
+              <a:latin typeface="Arial" panose="020B0604020202020204" pitchFamily="34" charset="0"/>
+              <a:cs typeface="Arial" panose="020B0604020202020204" pitchFamily="34" charset="0"/>
+            </a:endParaRPr>
           </a:p>
         </p:txBody>
       </p:sp>
@@ -5367,7 +6507,10 @@
           <a:bodyPr/>
           <a:lstStyle/>
           <a:p>
-            <a:endParaRPr lang="en-US" sz="2400" dirty="0"/>
+            <a:r>
+              <a:rPr lang="en-US" sz="2400"/>
+              <a:t>SUBTITLE</a:t>
+            </a:r>
           </a:p>
         </p:txBody>
       </p:sp>
@@ -5381,25 +6524,18 @@
   <p:clrMapOvr>
     <a:masterClrMapping/>
   </p:clrMapOvr>
-  <mc:AlternateContent xmlns:mc="http://schemas.openxmlformats.org/markup-compatibility/2006" xmlns:p14="http://schemas.microsoft.com/office/powerpoint/2010/main">
-    <mc:Choice Requires="p14">
+  <mc:AlternateContent xmlns:mc="http://schemas.openxmlformats.org/markup-compatibility/2006">
+    <mc:Choice xmlns:p14="http://schemas.microsoft.com/office/powerpoint/2010/main" Requires="p14">
       <p:transition p14:dur="300">
         <p:fade/>
       </p:transition>
     </mc:Choice>
-    <mc:Fallback xmlns="">
+    <mc:Fallback>
       <p:transition>
         <p:fade/>
       </p:transition>
     </mc:Fallback>
   </mc:AlternateContent>
-  <p:timing>
-    <p:tnLst>
-      <p:par>
-        <p:cTn id="1" dur="indefinite" restart="never" nodeType="tmRoot"/>
-      </p:par>
-    </p:tnLst>
-  </p:timing>
 </p:sld>
 </file>
 
@@ -5436,10 +6572,9 @@
           <a:lstStyle/>
           <a:p>
             <a:r>
-              <a:rPr lang="en-US" dirty="0" smtClean="0"/>
-              <a:t>Block Diagram</a:t>
-            </a:r>
-            <a:endParaRPr lang="en-US" dirty="0"/>
+              <a:rPr lang="en-US"/>
+              <a:t>Major Components</a:t>
+            </a:r>
           </a:p>
         </p:txBody>
       </p:sp>
@@ -5456,7 +6591,7 @@
         <p:spPr>
           <a:xfrm>
             <a:off x="457200" y="1276709"/>
-            <a:ext cx="8235950" cy="5306971"/>
+            <a:ext cx="4873557" cy="5306971"/>
           </a:xfrm>
         </p:spPr>
         <p:txBody>
@@ -5465,20 +6600,193 @@
           </a:bodyPr>
           <a:lstStyle/>
           <a:p>
+            <a:pPr marL="342900" indent="-342900">
+              <a:buFont typeface="Arial"/>
+              <a:buChar char="•"/>
+            </a:pPr>
+            <a:r>
+              <a:rPr lang="en-US" sz="2200"/>
+              <a:t>Buck Converter: TPS563231DRLT</a:t>
+            </a:r>
+            <a:endParaRPr lang="en-US" sz="2200">
+              <a:latin typeface="Arial" panose="020B0604020202020204" pitchFamily="34" charset="0"/>
+              <a:cs typeface="Arial" panose="020B0604020202020204" pitchFamily="34" charset="0"/>
+            </a:endParaRPr>
+          </a:p>
+          <a:p>
             <a:pPr marL="285750" indent="-285750">
               <a:buFont typeface="Arial" panose="020B0604020202020204" pitchFamily="34" charset="0"/>
               <a:buChar char="•"/>
             </a:pPr>
             <a:r>
-              <a:rPr lang="en-US" sz="2200" i="1" dirty="0" smtClean="0">
+              <a:rPr lang="en-US" sz="2200">
                 <a:solidFill>
-                  <a:srgbClr val="FF0000"/>
+                  <a:srgbClr val="000000"/>
                 </a:solidFill>
-                <a:latin typeface="Arial" panose="020B0604020202020204" pitchFamily="34" charset="0"/>
-                <a:cs typeface="Arial" panose="020B0604020202020204" pitchFamily="34" charset="0"/>
               </a:rPr>
-              <a:t>Include one or more images of your system block diagram here. Block diagrams should include all relevant major parts and systems, bus widths, and interface types.</a:t>
-            </a:r>
+              <a:t>Specs: </a:t>
+            </a:r>
+            <a:endParaRPr lang="en-US" sz="2200">
+              <a:solidFill>
+                <a:srgbClr val="000000"/>
+              </a:solidFill>
+              <a:latin typeface="Arial" panose="020B0604020202020204" pitchFamily="34" charset="0"/>
+              <a:cs typeface="Arial" panose="020B0604020202020204" pitchFamily="34" charset="0"/>
+            </a:endParaRPr>
+          </a:p>
+          <a:p>
+            <a:pPr marL="1028700" lvl="1" indent="-285750">
+              <a:buFont typeface="Arial" panose="020B0604020202020204" pitchFamily="34" charset="0"/>
+              <a:buChar char="•"/>
+            </a:pPr>
+            <a:r>
+              <a:rPr lang="en-US" sz="2200">
+                <a:solidFill>
+                  <a:srgbClr val="000000"/>
+                </a:solidFill>
+              </a:rPr>
+              <a:t>Input range 4.5V-17V</a:t>
+            </a:r>
+            <a:endParaRPr lang="en-US" sz="2200">
+              <a:solidFill>
+                <a:srgbClr val="000000"/>
+              </a:solidFill>
+              <a:latin typeface="Arial" panose="020B0604020202020204" pitchFamily="34" charset="0"/>
+              <a:cs typeface="Arial" panose="020B0604020202020204" pitchFamily="34" charset="0"/>
+            </a:endParaRPr>
+          </a:p>
+          <a:p>
+            <a:pPr marL="1028700" lvl="1">
+              <a:buFont typeface="Arial" panose="020B0604020202020204" pitchFamily="34" charset="0"/>
+              <a:buChar char="•"/>
+            </a:pPr>
+            <a:r>
+              <a:rPr lang="en-US" sz="2200">
+                <a:solidFill>
+                  <a:srgbClr val="000000"/>
+                </a:solidFill>
+              </a:rPr>
+              <a:t>Output 3.3V</a:t>
+            </a:r>
+            <a:endParaRPr lang="en-US" sz="2200">
+              <a:solidFill>
+                <a:srgbClr val="000000"/>
+              </a:solidFill>
+              <a:latin typeface="Arial" panose="020B0604020202020204" pitchFamily="34" charset="0"/>
+              <a:cs typeface="Arial" panose="020B0604020202020204" pitchFamily="34" charset="0"/>
+            </a:endParaRPr>
+          </a:p>
+          <a:p>
+            <a:pPr marL="1028700" lvl="1">
+              <a:buFont typeface="Arial" panose="020B0604020202020204" pitchFamily="34" charset="0"/>
+              <a:buChar char="•"/>
+            </a:pPr>
+            <a:r>
+              <a:rPr lang="en-US" sz="2200">
+                <a:solidFill>
+                  <a:srgbClr val="000000"/>
+                </a:solidFill>
+              </a:rPr>
+              <a:t>Max Current 3A</a:t>
+            </a:r>
+            <a:endParaRPr lang="en-US" sz="2200">
+              <a:solidFill>
+                <a:srgbClr val="000000"/>
+              </a:solidFill>
+              <a:latin typeface="Arial" panose="020B0604020202020204" pitchFamily="34" charset="0"/>
+              <a:cs typeface="Arial" panose="020B0604020202020204" pitchFamily="34" charset="0"/>
+            </a:endParaRPr>
+          </a:p>
+          <a:p>
+            <a:pPr marL="342900" indent="-342900">
+              <a:buFont typeface="Arial"/>
+              <a:buChar char="•"/>
+            </a:pPr>
+            <a:r>
+              <a:rPr lang="en-US" sz="2200">
+                <a:solidFill>
+                  <a:srgbClr val="000000"/>
+                </a:solidFill>
+              </a:rPr>
+              <a:t>Usage:</a:t>
+            </a:r>
+            <a:endParaRPr lang="en-US" sz="2200">
+              <a:solidFill>
+                <a:srgbClr val="000000"/>
+              </a:solidFill>
+              <a:latin typeface="Arial" panose="020B0604020202020204" pitchFamily="34" charset="0"/>
+              <a:cs typeface="Arial" panose="020B0604020202020204" pitchFamily="34" charset="0"/>
+            </a:endParaRPr>
+          </a:p>
+          <a:p>
+            <a:pPr marL="1085850" lvl="1" indent="-342900"/>
+            <a:r>
+              <a:rPr lang="en-US" sz="2200">
+                <a:solidFill>
+                  <a:srgbClr val="000000"/>
+                </a:solidFill>
+              </a:rPr>
+              <a:t>This will be used to step down USB 5V input to 3.3V that will power the main keyboard (stm32f4) as well as submodules via the </a:t>
+            </a:r>
+            <a:r>
+              <a:rPr lang="en-US" sz="2200" err="1">
+                <a:solidFill>
+                  <a:srgbClr val="000000"/>
+                </a:solidFill>
+              </a:rPr>
+              <a:t>hotplug</a:t>
+            </a:r>
+            <a:r>
+              <a:rPr lang="en-US" sz="2200">
+                <a:solidFill>
+                  <a:srgbClr val="000000"/>
+                </a:solidFill>
+              </a:rPr>
+              <a:t> connection</a:t>
+            </a:r>
+            <a:endParaRPr lang="en-US" sz="2200">
+              <a:solidFill>
+                <a:srgbClr val="000000"/>
+              </a:solidFill>
+              <a:latin typeface="Arial" panose="020B0604020202020204" pitchFamily="34" charset="0"/>
+              <a:cs typeface="Arial" panose="020B0604020202020204" pitchFamily="34" charset="0"/>
+            </a:endParaRPr>
+          </a:p>
+          <a:p>
+            <a:pPr indent="-342900">
+              <a:buFontTx/>
+              <a:buChar char="•"/>
+            </a:pPr>
+            <a:endParaRPr lang="en-US" sz="2200">
+              <a:solidFill>
+                <a:srgbClr val="000000"/>
+              </a:solidFill>
+              <a:latin typeface="Arial" panose="020B0604020202020204" pitchFamily="34" charset="0"/>
+              <a:cs typeface="Arial" panose="020B0604020202020204" pitchFamily="34" charset="0"/>
+            </a:endParaRPr>
+          </a:p>
+          <a:p>
+            <a:pPr marL="285750" indent="-342900"/>
+            <a:endParaRPr lang="en-US" sz="2200">
+              <a:solidFill>
+                <a:srgbClr val="000000"/>
+              </a:solidFill>
+              <a:latin typeface="Arial" panose="020B0604020202020204" pitchFamily="34" charset="0"/>
+              <a:cs typeface="Arial" panose="020B0604020202020204" pitchFamily="34" charset="0"/>
+            </a:endParaRPr>
+          </a:p>
+          <a:p>
+            <a:pPr marL="1028700" lvl="1">
+              <a:buFont typeface="Arial" panose="020B0604020202020204" pitchFamily="34" charset="0"/>
+              <a:buChar char="•"/>
+            </a:pPr>
+            <a:endParaRPr lang="en-US" sz="2200">
+              <a:solidFill>
+                <a:srgbClr val="000000"/>
+              </a:solidFill>
+              <a:latin typeface="Arial" panose="020B0604020202020204" pitchFamily="34" charset="0"/>
+              <a:cs typeface="Arial" panose="020B0604020202020204" pitchFamily="34" charset="0"/>
+            </a:endParaRPr>
           </a:p>
         </p:txBody>
       </p:sp>
@@ -5502,39 +6810,65 @@
           <a:bodyPr/>
           <a:lstStyle/>
           <a:p>
-            <a:endParaRPr lang="en-US" sz="2400" dirty="0" smtClean="0"/>
-          </a:p>
-        </p:txBody>
-      </p:sp>
+            <a:r>
+              <a:rPr lang="en-US" sz="2400"/>
+              <a:t>Power Regulation</a:t>
+            </a:r>
+          </a:p>
+        </p:txBody>
+      </p:sp>
+      <p:pic>
+        <p:nvPicPr>
+          <p:cNvPr id="2" name="Picture 2" descr="A picture containing adapter&#10;&#10;Description automatically generated">
+            <a:extLst>
+              <a:ext uri="{FF2B5EF4-FFF2-40B4-BE49-F238E27FC236}">
+                <a16:creationId xmlns:a16="http://schemas.microsoft.com/office/drawing/2014/main" id="{AD00BF2E-6860-B80A-83CF-1FCD6CB64F62}"/>
+              </a:ext>
+            </a:extLst>
+          </p:cNvPr>
+          <p:cNvPicPr>
+            <a:picLocks noChangeAspect="1"/>
+          </p:cNvPicPr>
+          <p:nvPr/>
+        </p:nvPicPr>
+        <p:blipFill>
+          <a:blip r:embed="rId2"/>
+          <a:stretch>
+            <a:fillRect/>
+          </a:stretch>
+        </p:blipFill>
+        <p:spPr>
+          <a:xfrm>
+            <a:off x="5438953" y="2291928"/>
+            <a:ext cx="3394953" cy="2702361"/>
+          </a:xfrm>
+          <a:prstGeom prst="rect">
+            <a:avLst/>
+          </a:prstGeom>
+        </p:spPr>
+      </p:pic>
     </p:spTree>
     <p:extLst>
       <p:ext uri="{BB962C8B-B14F-4D97-AF65-F5344CB8AC3E}">
-        <p14:creationId xmlns:p14="http://schemas.microsoft.com/office/powerpoint/2010/main" val="1177719589"/>
+        <p14:creationId xmlns:p14="http://schemas.microsoft.com/office/powerpoint/2010/main" val="1640836643"/>
       </p:ext>
     </p:extLst>
   </p:cSld>
   <p:clrMapOvr>
     <a:masterClrMapping/>
   </p:clrMapOvr>
-  <mc:AlternateContent xmlns:mc="http://schemas.openxmlformats.org/markup-compatibility/2006" xmlns:p14="http://schemas.microsoft.com/office/powerpoint/2010/main">
-    <mc:Choice Requires="p14">
+  <mc:AlternateContent xmlns:mc="http://schemas.openxmlformats.org/markup-compatibility/2006">
+    <mc:Choice xmlns:p14="http://schemas.microsoft.com/office/powerpoint/2010/main" Requires="p14">
       <p:transition p14:dur="300">
         <p:fade/>
       </p:transition>
     </mc:Choice>
-    <mc:Fallback xmlns="">
+    <mc:Fallback>
       <p:transition>
         <p:fade/>
       </p:transition>
     </mc:Fallback>
   </mc:AlternateContent>
-  <p:timing>
-    <p:tnLst>
-      <p:par>
-        <p:cTn id="1" dur="indefinite" restart="never" nodeType="tmRoot"/>
-      </p:par>
-    </p:tnLst>
-  </p:timing>
 </p:sld>
 </file>
 
@@ -5571,10 +6905,9 @@
           <a:lstStyle/>
           <a:p>
             <a:r>
-              <a:rPr lang="en-US" dirty="0" smtClean="0"/>
-              <a:t>Packaging Design</a:t>
-            </a:r>
-            <a:endParaRPr lang="en-US" dirty="0"/>
+              <a:rPr lang="en-US"/>
+              <a:t>Major Components</a:t>
+            </a:r>
           </a:p>
         </p:txBody>
       </p:sp>
@@ -5591,7 +6924,7 @@
         <p:spPr>
           <a:xfrm>
             <a:off x="457200" y="1276709"/>
-            <a:ext cx="8229600" cy="5306971"/>
+            <a:ext cx="4873557" cy="5306971"/>
           </a:xfrm>
         </p:spPr>
         <p:txBody>
@@ -5600,20 +6933,135 @@
           </a:bodyPr>
           <a:lstStyle/>
           <a:p>
+            <a:pPr marL="342900" indent="-342900">
+              <a:buFont typeface="Arial"/>
+              <a:buChar char="•"/>
+            </a:pPr>
+            <a:r>
+              <a:rPr lang="en-US" sz="2200"/>
+              <a:t>Voltage Regulator: [Insert Name]</a:t>
+            </a:r>
+            <a:endParaRPr lang="en-US" sz="2200">
+              <a:latin typeface="Arial" panose="020B0604020202020204" pitchFamily="34" charset="0"/>
+              <a:cs typeface="Arial" panose="020B0604020202020204" pitchFamily="34" charset="0"/>
+            </a:endParaRPr>
+          </a:p>
+          <a:p>
             <a:pPr marL="285750" indent="-285750">
               <a:buFont typeface="Arial" panose="020B0604020202020204" pitchFamily="34" charset="0"/>
               <a:buChar char="•"/>
             </a:pPr>
             <a:r>
-              <a:rPr lang="en-US" sz="2200" i="1" dirty="0" smtClean="0">
+              <a:rPr lang="en-US" sz="2200">
                 <a:solidFill>
-                  <a:srgbClr val="FF0000"/>
+                  <a:srgbClr val="000000"/>
                 </a:solidFill>
-                <a:latin typeface="Arial" panose="020B0604020202020204" pitchFamily="34" charset="0"/>
-                <a:cs typeface="Arial" panose="020B0604020202020204" pitchFamily="34" charset="0"/>
               </a:rPr>
-              <a:t>Include one or more images of your packaging design here. Include relevant dimensions and how you are planning to manufacture your product packaging.</a:t>
-            </a:r>
+              <a:t>Specs: </a:t>
+            </a:r>
+            <a:endParaRPr lang="en-US" sz="2200">
+              <a:solidFill>
+                <a:srgbClr val="000000"/>
+              </a:solidFill>
+              <a:latin typeface="Arial" panose="020B0604020202020204" pitchFamily="34" charset="0"/>
+              <a:cs typeface="Arial" panose="020B0604020202020204" pitchFamily="34" charset="0"/>
+            </a:endParaRPr>
+          </a:p>
+          <a:p>
+            <a:pPr marL="1028700" lvl="1">
+              <a:buFont typeface="Arial" panose="020B0604020202020204" pitchFamily="34" charset="0"/>
+              <a:buChar char="•"/>
+            </a:pPr>
+            <a:r>
+              <a:rPr lang="en-US" sz="2200" err="1">
+                <a:solidFill>
+                  <a:srgbClr val="000000"/>
+                </a:solidFill>
+              </a:rPr>
+              <a:t>sdf</a:t>
+            </a:r>
+            <a:endParaRPr lang="en-US" sz="2200" err="1">
+              <a:solidFill>
+                <a:srgbClr val="000000"/>
+              </a:solidFill>
+              <a:latin typeface="Arial" panose="020B0604020202020204" pitchFamily="34" charset="0"/>
+              <a:cs typeface="Arial" panose="020B0604020202020204" pitchFamily="34" charset="0"/>
+            </a:endParaRPr>
+          </a:p>
+          <a:p>
+            <a:pPr marL="342900" indent="-342900">
+              <a:buFont typeface="Arial"/>
+              <a:buChar char="•"/>
+            </a:pPr>
+            <a:r>
+              <a:rPr lang="en-US" sz="2200">
+                <a:solidFill>
+                  <a:srgbClr val="000000"/>
+                </a:solidFill>
+              </a:rPr>
+              <a:t>Usage:</a:t>
+            </a:r>
+            <a:endParaRPr lang="en-US" sz="2200">
+              <a:solidFill>
+                <a:srgbClr val="000000"/>
+              </a:solidFill>
+              <a:latin typeface="Arial" panose="020B0604020202020204" pitchFamily="34" charset="0"/>
+              <a:cs typeface="Arial" panose="020B0604020202020204" pitchFamily="34" charset="0"/>
+            </a:endParaRPr>
+          </a:p>
+          <a:p>
+            <a:pPr marL="1085850" lvl="1" indent="-342900"/>
+            <a:r>
+              <a:rPr lang="en-US" sz="2200" err="1">
+                <a:solidFill>
+                  <a:srgbClr val="000000"/>
+                </a:solidFill>
+              </a:rPr>
+              <a:t>sdf</a:t>
+            </a:r>
+            <a:endParaRPr lang="en-US" sz="2200" err="1">
+              <a:solidFill>
+                <a:srgbClr val="000000"/>
+              </a:solidFill>
+              <a:latin typeface="Arial" panose="020B0604020202020204" pitchFamily="34" charset="0"/>
+              <a:cs typeface="Arial" panose="020B0604020202020204" pitchFamily="34" charset="0"/>
+            </a:endParaRPr>
+          </a:p>
+          <a:p>
+            <a:pPr indent="-342900">
+              <a:buFontTx/>
+              <a:buChar char="•"/>
+            </a:pPr>
+            <a:endParaRPr lang="en-US" sz="2200">
+              <a:solidFill>
+                <a:srgbClr val="000000"/>
+              </a:solidFill>
+              <a:latin typeface="Arial" panose="020B0604020202020204" pitchFamily="34" charset="0"/>
+              <a:cs typeface="Arial" panose="020B0604020202020204" pitchFamily="34" charset="0"/>
+            </a:endParaRPr>
+          </a:p>
+          <a:p>
+            <a:pPr marL="285750" indent="-342900"/>
+            <a:endParaRPr lang="en-US" sz="2200">
+              <a:solidFill>
+                <a:srgbClr val="000000"/>
+              </a:solidFill>
+              <a:latin typeface="Arial" panose="020B0604020202020204" pitchFamily="34" charset="0"/>
+              <a:cs typeface="Arial" panose="020B0604020202020204" pitchFamily="34" charset="0"/>
+            </a:endParaRPr>
+          </a:p>
+          <a:p>
+            <a:pPr marL="1028700" lvl="1">
+              <a:buFont typeface="Arial" panose="020B0604020202020204" pitchFamily="34" charset="0"/>
+              <a:buChar char="•"/>
+            </a:pPr>
+            <a:endParaRPr lang="en-US" sz="2200">
+              <a:solidFill>
+                <a:srgbClr val="000000"/>
+              </a:solidFill>
+              <a:latin typeface="Arial" panose="020B0604020202020204" pitchFamily="34" charset="0"/>
+              <a:cs typeface="Arial" panose="020B0604020202020204" pitchFamily="34" charset="0"/>
+            </a:endParaRPr>
           </a:p>
         </p:txBody>
       </p:sp>
@@ -5637,39 +7085,35 @@
           <a:bodyPr/>
           <a:lstStyle/>
           <a:p>
-            <a:endParaRPr lang="en-US" sz="2400" dirty="0"/>
+            <a:r>
+              <a:rPr lang="en-US" sz="2400"/>
+              <a:t>Power Regulation</a:t>
+            </a:r>
           </a:p>
         </p:txBody>
       </p:sp>
     </p:spTree>
     <p:extLst>
       <p:ext uri="{BB962C8B-B14F-4D97-AF65-F5344CB8AC3E}">
-        <p14:creationId xmlns:p14="http://schemas.microsoft.com/office/powerpoint/2010/main" val="2447183972"/>
+        <p14:creationId xmlns:p14="http://schemas.microsoft.com/office/powerpoint/2010/main" val="19002467"/>
       </p:ext>
     </p:extLst>
   </p:cSld>
   <p:clrMapOvr>
     <a:masterClrMapping/>
   </p:clrMapOvr>
-  <mc:AlternateContent xmlns:mc="http://schemas.openxmlformats.org/markup-compatibility/2006" xmlns:p14="http://schemas.microsoft.com/office/powerpoint/2010/main">
-    <mc:Choice Requires="p14">
+  <mc:AlternateContent xmlns:mc="http://schemas.openxmlformats.org/markup-compatibility/2006">
+    <mc:Choice xmlns:p14="http://schemas.microsoft.com/office/powerpoint/2010/main" Requires="p14">
       <p:transition p14:dur="300">
         <p:fade/>
       </p:transition>
     </mc:Choice>
-    <mc:Fallback xmlns="">
+    <mc:Fallback>
       <p:transition>
         <p:fade/>
       </p:transition>
     </mc:Fallback>
   </mc:AlternateContent>
-  <p:timing>
-    <p:tnLst>
-      <p:par>
-        <p:cTn id="1" dur="indefinite" restart="never" nodeType="tmRoot"/>
-      </p:par>
-    </p:tnLst>
-  </p:timing>
 </p:sld>
 </file>
 
@@ -5706,10 +7150,9 @@
           <a:lstStyle/>
           <a:p>
             <a:r>
-              <a:rPr lang="en-US" dirty="0" smtClean="0"/>
-              <a:t>Electrical Schematic</a:t>
-            </a:r>
-            <a:endParaRPr lang="en-US" dirty="0"/>
+              <a:rPr lang="en-US"/>
+              <a:t>Major Components</a:t>
+            </a:r>
           </a:p>
         </p:txBody>
       </p:sp>
@@ -5726,7 +7169,7 @@
         <p:spPr>
           <a:xfrm>
             <a:off x="457200" y="1276709"/>
-            <a:ext cx="8229600" cy="5306971"/>
+            <a:ext cx="5301574" cy="5306971"/>
           </a:xfrm>
         </p:spPr>
         <p:txBody>
@@ -5735,20 +7178,156 @@
           </a:bodyPr>
           <a:lstStyle/>
           <a:p>
+            <a:pPr marL="342900" indent="-342900">
+              <a:buFont typeface="Arial"/>
+              <a:buChar char="•"/>
+            </a:pPr>
+            <a:r>
+              <a:rPr lang="en-US" sz="2200"/>
+              <a:t>Main Keyboard MCU: STM32F407VGT6</a:t>
+            </a:r>
+            <a:endParaRPr lang="en-US" sz="2200">
+              <a:latin typeface="Arial" panose="020B0604020202020204" pitchFamily="34" charset="0"/>
+              <a:cs typeface="Arial" panose="020B0604020202020204" pitchFamily="34" charset="0"/>
+            </a:endParaRPr>
+          </a:p>
+          <a:p>
             <a:pPr marL="285750" indent="-285750">
               <a:buFont typeface="Arial" panose="020B0604020202020204" pitchFamily="34" charset="0"/>
               <a:buChar char="•"/>
             </a:pPr>
             <a:r>
-              <a:rPr lang="en-US" sz="2200" i="1" dirty="0" smtClean="0">
+              <a:rPr lang="en-US" sz="2200">
                 <a:solidFill>
-                  <a:srgbClr val="FF0000"/>
+                  <a:srgbClr val="000000"/>
                 </a:solidFill>
-                <a:latin typeface="Arial" panose="020B0604020202020204" pitchFamily="34" charset="0"/>
-                <a:cs typeface="Arial" panose="020B0604020202020204" pitchFamily="34" charset="0"/>
               </a:rPr>
-              <a:t>Include one or more views of your electrical schematic here. If necessary, break up this section into multiple slides detailing various subsystems which are easily viewable (Hint: a zoomed out view of a large electrical schematic in which nothing can be read will not be helpful for the design review). Your schematics should be complete, organized, and readable.</a:t>
-            </a:r>
+              <a:t>Specs: </a:t>
+            </a:r>
+            <a:endParaRPr lang="en-US" sz="2200">
+              <a:solidFill>
+                <a:srgbClr val="000000"/>
+              </a:solidFill>
+              <a:latin typeface="Arial" panose="020B0604020202020204" pitchFamily="34" charset="0"/>
+              <a:cs typeface="Arial" panose="020B0604020202020204" pitchFamily="34" charset="0"/>
+            </a:endParaRPr>
+          </a:p>
+          <a:p>
+            <a:pPr marL="1028700" lvl="1" indent="-342900">
+              <a:buFont typeface="Arial" panose="020B0604020202020204" pitchFamily="34" charset="0"/>
+              <a:buChar char="•"/>
+            </a:pPr>
+            <a:r>
+              <a:rPr lang="en-US" sz="2200">
+                <a:solidFill>
+                  <a:srgbClr val="000000"/>
+                </a:solidFill>
+              </a:rPr>
+              <a:t>USB FS Controller</a:t>
+            </a:r>
+          </a:p>
+          <a:p>
+            <a:pPr marL="1028700" lvl="1" indent="-342900">
+              <a:buFont typeface="Arial" panose="020B0604020202020204" pitchFamily="34" charset="0"/>
+              <a:buChar char="•"/>
+            </a:pPr>
+            <a:r>
+              <a:rPr lang="en-US" sz="2200">
+                <a:solidFill>
+                  <a:srgbClr val="000000"/>
+                </a:solidFill>
+              </a:rPr>
+              <a:t>I2C</a:t>
+            </a:r>
+          </a:p>
+          <a:p>
+            <a:pPr marL="1028700" lvl="1" indent="-342900">
+              <a:buFont typeface="Arial" panose="020B0604020202020204" pitchFamily="34" charset="0"/>
+              <a:buChar char="•"/>
+            </a:pPr>
+            <a:r>
+              <a:rPr lang="en-US" sz="2200">
+                <a:solidFill>
+                  <a:srgbClr val="000000"/>
+                </a:solidFill>
+              </a:rPr>
+              <a:t>GPIO</a:t>
+            </a:r>
+          </a:p>
+          <a:p>
+            <a:pPr marL="342900" indent="-342900">
+              <a:buFont typeface="Arial"/>
+              <a:buChar char="•"/>
+            </a:pPr>
+            <a:r>
+              <a:rPr lang="en-US" sz="2200">
+                <a:solidFill>
+                  <a:srgbClr val="000000"/>
+                </a:solidFill>
+              </a:rPr>
+              <a:t>Usage:</a:t>
+            </a:r>
+            <a:endParaRPr lang="en-US" sz="2200">
+              <a:solidFill>
+                <a:srgbClr val="000000"/>
+              </a:solidFill>
+              <a:latin typeface="Arial" panose="020B0604020202020204" pitchFamily="34" charset="0"/>
+              <a:cs typeface="Arial" panose="020B0604020202020204" pitchFamily="34" charset="0"/>
+            </a:endParaRPr>
+          </a:p>
+          <a:p>
+            <a:pPr marL="1085850" lvl="1" indent="-342900"/>
+            <a:r>
+              <a:rPr lang="en-US" sz="2200">
+                <a:solidFill>
+                  <a:srgbClr val="000000"/>
+                </a:solidFill>
+              </a:rPr>
+              <a:t>This MCU will be used to communicate with the host PC over USB and to submodules over I2C. It will also scan the key matrix with GPIO</a:t>
+            </a:r>
+            <a:endParaRPr lang="en-US" sz="2200">
+              <a:solidFill>
+                <a:srgbClr val="000000"/>
+              </a:solidFill>
+              <a:latin typeface="Arial" panose="020B0604020202020204" pitchFamily="34" charset="0"/>
+              <a:cs typeface="Arial" panose="020B0604020202020204" pitchFamily="34" charset="0"/>
+            </a:endParaRPr>
+          </a:p>
+          <a:p>
+            <a:pPr indent="-342900">
+              <a:buFontTx/>
+              <a:buChar char="•"/>
+            </a:pPr>
+            <a:endParaRPr lang="en-US" sz="2200">
+              <a:solidFill>
+                <a:srgbClr val="000000"/>
+              </a:solidFill>
+              <a:latin typeface="Arial" panose="020B0604020202020204" pitchFamily="34" charset="0"/>
+              <a:cs typeface="Arial" panose="020B0604020202020204" pitchFamily="34" charset="0"/>
+            </a:endParaRPr>
+          </a:p>
+          <a:p>
+            <a:pPr marL="285750" indent="-342900"/>
+            <a:endParaRPr lang="en-US" sz="2200">
+              <a:solidFill>
+                <a:srgbClr val="000000"/>
+              </a:solidFill>
+              <a:latin typeface="Arial" panose="020B0604020202020204" pitchFamily="34" charset="0"/>
+              <a:cs typeface="Arial" panose="020B0604020202020204" pitchFamily="34" charset="0"/>
+            </a:endParaRPr>
+          </a:p>
+          <a:p>
+            <a:pPr marL="1028700" lvl="1">
+              <a:buFont typeface="Arial" panose="020B0604020202020204" pitchFamily="34" charset="0"/>
+              <a:buChar char="•"/>
+            </a:pPr>
+            <a:endParaRPr lang="en-US" sz="2200">
+              <a:solidFill>
+                <a:srgbClr val="000000"/>
+              </a:solidFill>
+              <a:latin typeface="Arial" panose="020B0604020202020204" pitchFamily="34" charset="0"/>
+              <a:cs typeface="Arial" panose="020B0604020202020204" pitchFamily="34" charset="0"/>
+            </a:endParaRPr>
           </a:p>
         </p:txBody>
       </p:sp>
@@ -5772,39 +7351,65 @@
           <a:bodyPr/>
           <a:lstStyle/>
           <a:p>
-            <a:endParaRPr lang="en-US" sz="2400" dirty="0" smtClean="0"/>
-          </a:p>
-        </p:txBody>
-      </p:sp>
+            <a:r>
+              <a:rPr lang="en-US" sz="2400"/>
+              <a:t>Microcontrollers</a:t>
+            </a:r>
+          </a:p>
+        </p:txBody>
+      </p:sp>
+      <p:pic>
+        <p:nvPicPr>
+          <p:cNvPr id="3" name="Picture 3" descr="A picture containing electronics, circuit&#10;&#10;Description automatically generated">
+            <a:extLst>
+              <a:ext uri="{FF2B5EF4-FFF2-40B4-BE49-F238E27FC236}">
+                <a16:creationId xmlns:a16="http://schemas.microsoft.com/office/drawing/2014/main" id="{583F1A54-0C69-261B-523E-F4F35A525CFD}"/>
+              </a:ext>
+            </a:extLst>
+          </p:cNvPr>
+          <p:cNvPicPr>
+            <a:picLocks noChangeAspect="1"/>
+          </p:cNvPicPr>
+          <p:nvPr/>
+        </p:nvPicPr>
+        <p:blipFill>
+          <a:blip r:embed="rId2"/>
+          <a:stretch>
+            <a:fillRect/>
+          </a:stretch>
+        </p:blipFill>
+        <p:spPr>
+          <a:xfrm>
+            <a:off x="5807413" y="2311218"/>
+            <a:ext cx="2743199" cy="2177197"/>
+          </a:xfrm>
+          <a:prstGeom prst="rect">
+            <a:avLst/>
+          </a:prstGeom>
+        </p:spPr>
+      </p:pic>
     </p:spTree>
     <p:extLst>
       <p:ext uri="{BB962C8B-B14F-4D97-AF65-F5344CB8AC3E}">
-        <p14:creationId xmlns:p14="http://schemas.microsoft.com/office/powerpoint/2010/main" val="2492192229"/>
+        <p14:creationId xmlns:p14="http://schemas.microsoft.com/office/powerpoint/2010/main" val="2937357735"/>
       </p:ext>
     </p:extLst>
   </p:cSld>
   <p:clrMapOvr>
     <a:masterClrMapping/>
   </p:clrMapOvr>
-  <mc:AlternateContent xmlns:mc="http://schemas.openxmlformats.org/markup-compatibility/2006" xmlns:p14="http://schemas.microsoft.com/office/powerpoint/2010/main">
-    <mc:Choice Requires="p14">
+  <mc:AlternateContent xmlns:mc="http://schemas.openxmlformats.org/markup-compatibility/2006">
+    <mc:Choice xmlns:p14="http://schemas.microsoft.com/office/powerpoint/2010/main" Requires="p14">
       <p:transition p14:dur="300">
         <p:fade/>
       </p:transition>
     </mc:Choice>
-    <mc:Fallback xmlns="">
+    <mc:Fallback>
       <p:transition>
         <p:fade/>
       </p:transition>
     </mc:Fallback>
   </mc:AlternateContent>
-  <p:timing>
-    <p:tnLst>
-      <p:par>
-        <p:cTn id="1" dur="indefinite" restart="never" nodeType="tmRoot"/>
-      </p:par>
-    </p:tnLst>
-  </p:timing>
 </p:sld>
 </file>
 
@@ -5841,10 +7446,9 @@
           <a:lstStyle/>
           <a:p>
             <a:r>
-              <a:rPr lang="en-US" dirty="0" smtClean="0"/>
-              <a:t>PCB Layout</a:t>
-            </a:r>
-            <a:endParaRPr lang="en-US" dirty="0"/>
+              <a:rPr lang="en-US"/>
+              <a:t>Major Components</a:t>
+            </a:r>
           </a:p>
         </p:txBody>
       </p:sp>
@@ -5861,7 +7465,7 @@
         <p:spPr>
           <a:xfrm>
             <a:off x="457200" y="1276709"/>
-            <a:ext cx="8229600" cy="5306971"/>
+            <a:ext cx="5301574" cy="5306971"/>
           </a:xfrm>
         </p:spPr>
         <p:txBody>
@@ -5870,70 +7474,156 @@
           </a:bodyPr>
           <a:lstStyle/>
           <a:p>
+            <a:pPr marL="342900" indent="-342900">
+              <a:buFont typeface="Arial"/>
+              <a:buChar char="•"/>
+            </a:pPr>
+            <a:r>
+              <a:rPr lang="en-US" sz="2200"/>
+              <a:t>Main Keyboard MCU: STM32F091RCTx</a:t>
+            </a:r>
+            <a:endParaRPr lang="en-US" sz="2200">
+              <a:latin typeface="Arial" panose="020B0604020202020204" pitchFamily="34" charset="0"/>
+              <a:cs typeface="Arial" panose="020B0604020202020204" pitchFamily="34" charset="0"/>
+            </a:endParaRPr>
+          </a:p>
+          <a:p>
             <a:pPr marL="285750" indent="-285750">
               <a:buFont typeface="Arial" panose="020B0604020202020204" pitchFamily="34" charset="0"/>
               <a:buChar char="•"/>
             </a:pPr>
             <a:r>
-              <a:rPr lang="en-US" sz="2200" i="1" dirty="0">
+              <a:rPr lang="en-US" sz="2200">
                 <a:solidFill>
-                  <a:srgbClr val="FF0000"/>
+                  <a:srgbClr val="000000"/>
                 </a:solidFill>
-                <a:latin typeface="Arial" panose="020B0604020202020204" pitchFamily="34" charset="0"/>
-                <a:cs typeface="Arial" panose="020B0604020202020204" pitchFamily="34" charset="0"/>
               </a:rPr>
-              <a:t>Include one or more views of your </a:t>
-            </a:r>
-            <a:r>
-              <a:rPr lang="en-US" sz="2200" i="1" dirty="0" smtClean="0">
+              <a:t>Specs: </a:t>
+            </a:r>
+            <a:endParaRPr lang="en-US" sz="2200">
+              <a:solidFill>
+                <a:srgbClr val="000000"/>
+              </a:solidFill>
+              <a:latin typeface="Arial" panose="020B0604020202020204" pitchFamily="34" charset="0"/>
+              <a:cs typeface="Arial" panose="020B0604020202020204" pitchFamily="34" charset="0"/>
+            </a:endParaRPr>
+          </a:p>
+          <a:p>
+            <a:pPr marL="1028700" lvl="1" indent="-342900">
+              <a:buFont typeface="Arial" panose="020B0604020202020204" pitchFamily="34" charset="0"/>
+              <a:buChar char="•"/>
+            </a:pPr>
+            <a:r>
+              <a:rPr lang="en-US" sz="2200">
                 <a:solidFill>
-                  <a:srgbClr val="FF0000"/>
+                  <a:srgbClr val="000000"/>
                 </a:solidFill>
-                <a:latin typeface="Arial" panose="020B0604020202020204" pitchFamily="34" charset="0"/>
-                <a:cs typeface="Arial" panose="020B0604020202020204" pitchFamily="34" charset="0"/>
               </a:rPr>
-              <a:t>PCB Layout </a:t>
-            </a:r>
-            <a:r>
-              <a:rPr lang="en-US" sz="2200" i="1" dirty="0">
+              <a:t>USB FS Controller</a:t>
+            </a:r>
+          </a:p>
+          <a:p>
+            <a:pPr marL="1028700" lvl="1" indent="-342900">
+              <a:buFont typeface="Arial" panose="020B0604020202020204" pitchFamily="34" charset="0"/>
+              <a:buChar char="•"/>
+            </a:pPr>
+            <a:r>
+              <a:rPr lang="en-US" sz="2200">
                 <a:solidFill>
-                  <a:srgbClr val="FF0000"/>
+                  <a:srgbClr val="000000"/>
                 </a:solidFill>
-                <a:latin typeface="Arial" panose="020B0604020202020204" pitchFamily="34" charset="0"/>
-                <a:cs typeface="Arial" panose="020B0604020202020204" pitchFamily="34" charset="0"/>
               </a:rPr>
-              <a:t>here. If necessary, break up this section into multiple slides detailing various subsystems which are easily viewable (Hint: a zoomed out view of a large electrical schematic in which nothing can be read will not be helpful for the design review). Your </a:t>
-            </a:r>
-            <a:r>
-              <a:rPr lang="en-US" sz="2200" i="1" dirty="0" smtClean="0">
+              <a:t>I2C</a:t>
+            </a:r>
+          </a:p>
+          <a:p>
+            <a:pPr marL="1028700" lvl="1" indent="-342900">
+              <a:buFont typeface="Arial" panose="020B0604020202020204" pitchFamily="34" charset="0"/>
+              <a:buChar char="•"/>
+            </a:pPr>
+            <a:r>
+              <a:rPr lang="en-US" sz="2200">
                 <a:solidFill>
-                  <a:srgbClr val="FF0000"/>
+                  <a:srgbClr val="000000"/>
                 </a:solidFill>
-                <a:latin typeface="Arial" panose="020B0604020202020204" pitchFamily="34" charset="0"/>
-                <a:cs typeface="Arial" panose="020B0604020202020204" pitchFamily="34" charset="0"/>
               </a:rPr>
-              <a:t>layout</a:t>
-            </a:r>
-            <a:r>
-              <a:rPr lang="en-US" sz="2200" i="1" dirty="0" smtClean="0">
+              <a:t>GPIO</a:t>
+            </a:r>
+          </a:p>
+          <a:p>
+            <a:pPr marL="342900" indent="-342900">
+              <a:buFont typeface="Arial"/>
+              <a:buChar char="•"/>
+            </a:pPr>
+            <a:r>
+              <a:rPr lang="en-US" sz="2200">
                 <a:solidFill>
-                  <a:srgbClr val="FF0000"/>
+                  <a:srgbClr val="000000"/>
                 </a:solidFill>
-                <a:latin typeface="Arial" panose="020B0604020202020204" pitchFamily="34" charset="0"/>
-                <a:cs typeface="Arial" panose="020B0604020202020204" pitchFamily="34" charset="0"/>
               </a:rPr>
-              <a:t> </a:t>
-            </a:r>
-            <a:r>
-              <a:rPr lang="en-US" sz="2200" i="1" dirty="0">
+              <a:t>Usage:</a:t>
+            </a:r>
+            <a:endParaRPr lang="en-US" sz="2200">
+              <a:solidFill>
+                <a:srgbClr val="000000"/>
+              </a:solidFill>
+              <a:latin typeface="Arial" panose="020B0604020202020204" pitchFamily="34" charset="0"/>
+              <a:cs typeface="Arial" panose="020B0604020202020204" pitchFamily="34" charset="0"/>
+            </a:endParaRPr>
+          </a:p>
+          <a:p>
+            <a:pPr marL="1085850" lvl="1" indent="-342900"/>
+            <a:r>
+              <a:rPr lang="en-US" sz="2200">
                 <a:solidFill>
-                  <a:srgbClr val="FF0000"/>
+                  <a:srgbClr val="000000"/>
                 </a:solidFill>
-                <a:latin typeface="Arial" panose="020B0604020202020204" pitchFamily="34" charset="0"/>
-                <a:cs typeface="Arial" panose="020B0604020202020204" pitchFamily="34" charset="0"/>
               </a:rPr>
-              <a:t>should be complete, organized, and readable.</a:t>
-            </a:r>
+              <a:t>This MCU will be used to communicate with the host PC over USB and to submodules over I2C. It will also scan the key matrix with GPIO</a:t>
+            </a:r>
+            <a:endParaRPr lang="en-US" sz="2200">
+              <a:solidFill>
+                <a:srgbClr val="000000"/>
+              </a:solidFill>
+              <a:latin typeface="Arial" panose="020B0604020202020204" pitchFamily="34" charset="0"/>
+              <a:cs typeface="Arial" panose="020B0604020202020204" pitchFamily="34" charset="0"/>
+            </a:endParaRPr>
+          </a:p>
+          <a:p>
+            <a:pPr indent="-342900">
+              <a:buFontTx/>
+              <a:buChar char="•"/>
+            </a:pPr>
+            <a:endParaRPr lang="en-US" sz="2200">
+              <a:solidFill>
+                <a:srgbClr val="000000"/>
+              </a:solidFill>
+              <a:latin typeface="Arial" panose="020B0604020202020204" pitchFamily="34" charset="0"/>
+              <a:cs typeface="Arial" panose="020B0604020202020204" pitchFamily="34" charset="0"/>
+            </a:endParaRPr>
+          </a:p>
+          <a:p>
+            <a:pPr marL="285750" indent="-342900"/>
+            <a:endParaRPr lang="en-US" sz="2200">
+              <a:solidFill>
+                <a:srgbClr val="000000"/>
+              </a:solidFill>
+              <a:latin typeface="Arial" panose="020B0604020202020204" pitchFamily="34" charset="0"/>
+              <a:cs typeface="Arial" panose="020B0604020202020204" pitchFamily="34" charset="0"/>
+            </a:endParaRPr>
+          </a:p>
+          <a:p>
+            <a:pPr marL="1028700" lvl="1">
+              <a:buFont typeface="Arial" panose="020B0604020202020204" pitchFamily="34" charset="0"/>
+              <a:buChar char="•"/>
+            </a:pPr>
+            <a:endParaRPr lang="en-US" sz="2200">
+              <a:solidFill>
+                <a:srgbClr val="000000"/>
+              </a:solidFill>
+              <a:latin typeface="Arial" panose="020B0604020202020204" pitchFamily="34" charset="0"/>
+              <a:cs typeface="Arial" panose="020B0604020202020204" pitchFamily="34" charset="0"/>
+            </a:endParaRPr>
           </a:p>
         </p:txBody>
       </p:sp>
@@ -5957,39 +7647,65 @@
           <a:bodyPr/>
           <a:lstStyle/>
           <a:p>
-            <a:endParaRPr lang="en-US" sz="2400" dirty="0"/>
-          </a:p>
-        </p:txBody>
-      </p:sp>
+            <a:r>
+              <a:rPr lang="en-US" sz="2400"/>
+              <a:t>Microcontrollers</a:t>
+            </a:r>
+          </a:p>
+        </p:txBody>
+      </p:sp>
+      <p:pic>
+        <p:nvPicPr>
+          <p:cNvPr id="3" name="Picture 3" descr="A picture containing electronics, circuit&#10;&#10;Description automatically generated">
+            <a:extLst>
+              <a:ext uri="{FF2B5EF4-FFF2-40B4-BE49-F238E27FC236}">
+                <a16:creationId xmlns:a16="http://schemas.microsoft.com/office/drawing/2014/main" id="{583F1A54-0C69-261B-523E-F4F35A525CFD}"/>
+              </a:ext>
+            </a:extLst>
+          </p:cNvPr>
+          <p:cNvPicPr>
+            <a:picLocks noChangeAspect="1"/>
+          </p:cNvPicPr>
+          <p:nvPr/>
+        </p:nvPicPr>
+        <p:blipFill>
+          <a:blip r:embed="rId2"/>
+          <a:stretch>
+            <a:fillRect/>
+          </a:stretch>
+        </p:blipFill>
+        <p:spPr>
+          <a:xfrm>
+            <a:off x="5807413" y="2311218"/>
+            <a:ext cx="2743199" cy="2177197"/>
+          </a:xfrm>
+          <a:prstGeom prst="rect">
+            <a:avLst/>
+          </a:prstGeom>
+        </p:spPr>
+      </p:pic>
     </p:spTree>
     <p:extLst>
       <p:ext uri="{BB962C8B-B14F-4D97-AF65-F5344CB8AC3E}">
-        <p14:creationId xmlns:p14="http://schemas.microsoft.com/office/powerpoint/2010/main" val="580118554"/>
+        <p14:creationId xmlns:p14="http://schemas.microsoft.com/office/powerpoint/2010/main" val="3009604845"/>
       </p:ext>
     </p:extLst>
   </p:cSld>
   <p:clrMapOvr>
     <a:masterClrMapping/>
   </p:clrMapOvr>
-  <mc:AlternateContent xmlns:mc="http://schemas.openxmlformats.org/markup-compatibility/2006" xmlns:p14="http://schemas.microsoft.com/office/powerpoint/2010/main">
-    <mc:Choice Requires="p14">
+  <mc:AlternateContent xmlns:mc="http://schemas.openxmlformats.org/markup-compatibility/2006">
+    <mc:Choice xmlns:p14="http://schemas.microsoft.com/office/powerpoint/2010/main" Requires="p14">
       <p:transition p14:dur="300">
         <p:fade/>
       </p:transition>
     </mc:Choice>
-    <mc:Fallback xmlns="">
+    <mc:Fallback>
       <p:transition>
         <p:fade/>
       </p:transition>
     </mc:Fallback>
   </mc:AlternateContent>
-  <p:timing>
-    <p:tnLst>
-      <p:par>
-        <p:cTn id="1" dur="indefinite" restart="never" nodeType="tmRoot"/>
-      </p:par>
-    </p:tnLst>
-  </p:timing>
 </p:sld>
 </file>
 

--- a/Midterm Review Presentation/Midterm Design Review Presentation Template.pptx
+++ b/Midterm Review Presentation/Midterm Design Review Presentation Template.pptx
@@ -147,8 +147,8 @@
 <p1510:revInfo xmlns:a="http://schemas.openxmlformats.org/drawingml/2006/main" xmlns:r="http://schemas.openxmlformats.org/officeDocument/2006/relationships" xmlns:p1510="http://schemas.microsoft.com/office/powerpoint/2015/10/main">
   <p1510:revLst>
     <p1510:client id="{916519D6-545C-49AB-AAA9-6927595BE8CF}" v="528" dt="2022-10-09T23:42:32.138"/>
-    <p1510:client id="{94D506F5-0624-4709-9666-BDACF92965F3}" v="751" dt="2022-10-09T23:43:42.777"/>
-    <p1510:client id="{B15FDED9-187D-4F00-87EC-9B0E61872CC6}" v="619" dt="2022-10-09T23:44:48.771"/>
+    <p1510:client id="{94D506F5-0624-4709-9666-BDACF92965F3}" v="846" dt="2022-10-09T23:47:41.677"/>
+    <p1510:client id="{B15FDED9-187D-4F00-87EC-9B0E61872CC6}" v="622" dt="2022-10-09T23:47:48.979"/>
   </p1510:revLst>
 </p1510:revInfo>
 </file>
@@ -158,7 +158,7 @@
   <pc:docChgLst>
     <pc:chgData name="Avanish Subbiah" userId="3e11c6ea9048470d" providerId="Windows Live" clId="Web-{94D506F5-0624-4709-9666-BDACF92965F3}"/>
     <pc:docChg chg="addSld modSld">
-      <pc:chgData name="Avanish Subbiah" userId="3e11c6ea9048470d" providerId="Windows Live" clId="Web-{94D506F5-0624-4709-9666-BDACF92965F3}" dt="2022-10-09T23:43:42.777" v="738" actId="20577"/>
+      <pc:chgData name="Avanish Subbiah" userId="3e11c6ea9048470d" providerId="Windows Live" clId="Web-{94D506F5-0624-4709-9666-BDACF92965F3}" dt="2022-10-09T23:47:41.677" v="832" actId="1076"/>
       <pc:docMkLst>
         <pc:docMk/>
       </pc:docMkLst>
@@ -278,20 +278,36 @@
           </ac:picMkLst>
         </pc:picChg>
       </pc:sldChg>
-      <pc:sldChg chg="modSp add replId">
-        <pc:chgData name="Avanish Subbiah" userId="3e11c6ea9048470d" providerId="Windows Live" clId="Web-{94D506F5-0624-4709-9666-BDACF92965F3}" dt="2022-10-09T23:43:42.777" v="738" actId="20577"/>
+      <pc:sldChg chg="addSp delSp modSp add replId">
+        <pc:chgData name="Avanish Subbiah" userId="3e11c6ea9048470d" providerId="Windows Live" clId="Web-{94D506F5-0624-4709-9666-BDACF92965F3}" dt="2022-10-09T23:47:41.677" v="832" actId="1076"/>
         <pc:sldMkLst>
           <pc:docMk/>
           <pc:sldMk cId="3009604845" sldId="282"/>
         </pc:sldMkLst>
         <pc:spChg chg="mod">
-          <ac:chgData name="Avanish Subbiah" userId="3e11c6ea9048470d" providerId="Windows Live" clId="Web-{94D506F5-0624-4709-9666-BDACF92965F3}" dt="2022-10-09T23:43:42.777" v="738" actId="20577"/>
+          <ac:chgData name="Avanish Subbiah" userId="3e11c6ea9048470d" providerId="Windows Live" clId="Web-{94D506F5-0624-4709-9666-BDACF92965F3}" dt="2022-10-09T23:47:07.051" v="828" actId="20577"/>
           <ac:spMkLst>
             <pc:docMk/>
             <pc:sldMk cId="3009604845" sldId="282"/>
             <ac:spMk id="13" creationId="{00000000-0000-0000-0000-000000000000}"/>
           </ac:spMkLst>
         </pc:spChg>
+        <pc:picChg chg="add mod">
+          <ac:chgData name="Avanish Subbiah" userId="3e11c6ea9048470d" providerId="Windows Live" clId="Web-{94D506F5-0624-4709-9666-BDACF92965F3}" dt="2022-10-09T23:47:41.677" v="832" actId="1076"/>
+          <ac:picMkLst>
+            <pc:docMk/>
+            <pc:sldMk cId="3009604845" sldId="282"/>
+            <ac:picMk id="2" creationId="{7D64568C-0990-80D7-E884-FDADF3203F32}"/>
+          </ac:picMkLst>
+        </pc:picChg>
+        <pc:picChg chg="del">
+          <ac:chgData name="Avanish Subbiah" userId="3e11c6ea9048470d" providerId="Windows Live" clId="Web-{94D506F5-0624-4709-9666-BDACF92965F3}" dt="2022-10-09T23:47:08.910" v="829"/>
+          <ac:picMkLst>
+            <pc:docMk/>
+            <pc:sldMk cId="3009604845" sldId="282"/>
+            <ac:picMk id="3" creationId="{583F1A54-0C69-261B-523E-F4F35A525CFD}"/>
+          </ac:picMkLst>
+        </pc:picChg>
       </pc:sldChg>
     </pc:docChg>
   </pc:docChgLst>
@@ -423,7 +439,7 @@
   <pc:docChgLst>
     <pc:chgData name="Connor Chadwick" userId="d37c1725125dcbfb" providerId="Windows Live" clId="Web-{B15FDED9-187D-4F00-87EC-9B0E61872CC6}"/>
     <pc:docChg chg="addSld delSld modSld">
-      <pc:chgData name="Connor Chadwick" userId="d37c1725125dcbfb" providerId="Windows Live" clId="Web-{B15FDED9-187D-4F00-87EC-9B0E61872CC6}" dt="2022-10-09T23:44:48.771" v="610" actId="1076"/>
+      <pc:chgData name="Connor Chadwick" userId="d37c1725125dcbfb" providerId="Windows Live" clId="Web-{B15FDED9-187D-4F00-87EC-9B0E61872CC6}" dt="2022-10-09T23:47:48.979" v="613" actId="14100"/>
       <pc:docMkLst>
         <pc:docMk/>
       </pc:docMkLst>
@@ -443,7 +459,7 @@
         </pc:picChg>
       </pc:sldChg>
       <pc:sldChg chg="addSp delSp modSp">
-        <pc:chgData name="Connor Chadwick" userId="d37c1725125dcbfb" providerId="Windows Live" clId="Web-{B15FDED9-187D-4F00-87EC-9B0E61872CC6}" dt="2022-10-09T23:44:48.771" v="610" actId="1076"/>
+        <pc:chgData name="Connor Chadwick" userId="d37c1725125dcbfb" providerId="Windows Live" clId="Web-{B15FDED9-187D-4F00-87EC-9B0E61872CC6}" dt="2022-10-09T23:47:48.979" v="613" actId="14100"/>
         <pc:sldMkLst>
           <pc:docMk/>
           <pc:sldMk cId="2447183972" sldId="269"/>
@@ -457,7 +473,7 @@
           </ac:spMkLst>
         </pc:spChg>
         <pc:spChg chg="mod">
-          <ac:chgData name="Connor Chadwick" userId="d37c1725125dcbfb" providerId="Windows Live" clId="Web-{B15FDED9-187D-4F00-87EC-9B0E61872CC6}" dt="2022-10-09T23:44:48.771" v="610" actId="1076"/>
+          <ac:chgData name="Connor Chadwick" userId="d37c1725125dcbfb" providerId="Windows Live" clId="Web-{B15FDED9-187D-4F00-87EC-9B0E61872CC6}" dt="2022-10-09T23:47:48.979" v="613" actId="14100"/>
           <ac:spMkLst>
             <pc:docMk/>
             <pc:sldMk cId="2447183972" sldId="269"/>
@@ -4727,8 +4743,8 @@
         </p:nvSpPr>
         <p:spPr>
           <a:xfrm>
-            <a:off x="-761" y="3600893"/>
-            <a:ext cx="8364070" cy="2066231"/>
+            <a:off x="-761" y="3546978"/>
+            <a:ext cx="9140447" cy="2400504"/>
           </a:xfrm>
         </p:spPr>
         <p:txBody>
@@ -7480,7 +7496,7 @@
             </a:pPr>
             <a:r>
               <a:rPr lang="en-US" sz="2200"/>
-              <a:t>Main Keyboard MCU: STM32F091RCTx</a:t>
+              <a:t>Main Keyboard MCU: STM32F091RCT6</a:t>
             </a:r>
             <a:endParaRPr lang="en-US" sz="2200">
               <a:latin typeface="Arial" panose="020B0604020202020204" pitchFamily="34" charset="0"/>
@@ -7519,7 +7535,7 @@
                   <a:srgbClr val="000000"/>
                 </a:solidFill>
               </a:rPr>
-              <a:t>USB FS Controller</a:t>
+              <a:t>I2C</a:t>
             </a:r>
           </a:p>
           <a:p>
@@ -7533,21 +7549,7 @@
                   <a:srgbClr val="000000"/>
                 </a:solidFill>
               </a:rPr>
-              <a:t>I2C</a:t>
-            </a:r>
-          </a:p>
-          <a:p>
-            <a:pPr marL="1028700" lvl="1" indent="-342900">
-              <a:buFont typeface="Arial" panose="020B0604020202020204" pitchFamily="34" charset="0"/>
-              <a:buChar char="•"/>
-            </a:pPr>
-            <a:r>
-              <a:rPr lang="en-US" sz="2200">
-                <a:solidFill>
-                  <a:srgbClr val="000000"/>
-                </a:solidFill>
-              </a:rPr>
-              <a:t>GPIO</a:t>
+              <a:t>SPI</a:t>
             </a:r>
           </a:p>
           <a:p>
@@ -7579,7 +7581,23 @@
                   <a:srgbClr val="000000"/>
                 </a:solidFill>
               </a:rPr>
-              <a:t>This MCU will be used to communicate with the host PC over USB and to submodules over I2C. It will also scan the key matrix with GPIO</a:t>
+              <a:t>This MCU will be used to communicate with the SPI TFT LCD display to draw info and to the main keyboard over I2C over the </a:t>
+            </a:r>
+            <a:r>
+              <a:rPr lang="en-US" sz="2200" err="1">
+                <a:solidFill>
+                  <a:srgbClr val="000000"/>
+                </a:solidFill>
+              </a:rPr>
+              <a:t>hotplug</a:t>
+            </a:r>
+            <a:r>
+              <a:rPr lang="en-US" sz="2200">
+                <a:solidFill>
+                  <a:srgbClr val="000000"/>
+                </a:solidFill>
+              </a:rPr>
+              <a:t> connector.</a:t>
             </a:r>
             <a:endParaRPr lang="en-US" sz="2200">
               <a:solidFill>
@@ -7656,10 +7674,10 @@
       </p:sp>
       <p:pic>
         <p:nvPicPr>
-          <p:cNvPr id="3" name="Picture 3" descr="A picture containing electronics, circuit&#10;&#10;Description automatically generated">
+          <p:cNvPr id="2" name="Picture 3" descr="A picture containing electronics, circuit&#10;&#10;Description automatically generated">
             <a:extLst>
               <a:ext uri="{FF2B5EF4-FFF2-40B4-BE49-F238E27FC236}">
-                <a16:creationId xmlns:a16="http://schemas.microsoft.com/office/drawing/2014/main" id="{583F1A54-0C69-261B-523E-F4F35A525CFD}"/>
+                <a16:creationId xmlns:a16="http://schemas.microsoft.com/office/drawing/2014/main" id="{7D64568C-0990-80D7-E884-FDADF3203F32}"/>
               </a:ext>
             </a:extLst>
           </p:cNvPr>
@@ -7676,8 +7694,8 @@
         </p:blipFill>
         <p:spPr>
           <a:xfrm>
-            <a:off x="5807413" y="2311218"/>
-            <a:ext cx="2743199" cy="2177197"/>
+            <a:off x="5846323" y="2018489"/>
+            <a:ext cx="2743200" cy="2743200"/>
           </a:xfrm>
           <a:prstGeom prst="rect">
             <a:avLst/>
